--- a/R/Results/Perfect_obs/coyote_Fox_Bobcat_uniformenv.pptx
+++ b/R/Results/Perfect_obs/coyote_Fox_Bobcat_uniformenv.pptx
@@ -162,7 +162,7 @@
           <a:lstStyle/>
           <a:p>
             <a:r>
-              <a:rPr lang="en-US" smtClean="0"/>
+              <a:rPr lang="en-US"/>
               <a:t>Click to edit Master title style</a:t>
             </a:r>
             <a:endParaRPr lang="en-GB"/>
@@ -281,7 +281,7 @@
           </a:lstStyle>
           <a:p>
             <a:r>
-              <a:rPr lang="en-US" smtClean="0"/>
+              <a:rPr lang="en-US"/>
               <a:t>Click to edit Master subtitle style</a:t>
             </a:r>
             <a:endParaRPr lang="en-GB"/>
@@ -305,7 +305,7 @@
           <a:p>
             <a:fld id="{6BA5D40C-A8DC-479A-A5D3-E7B4936A184B}" type="datetimeFigureOut">
               <a:rPr lang="en-GB" smtClean="0"/>
-              <a:t>18/04/2019</a:t>
+              <a:t>03/06/2019</a:t>
             </a:fld>
             <a:endParaRPr lang="en-GB"/>
           </a:p>
@@ -399,7 +399,7 @@
           <a:lstStyle/>
           <a:p>
             <a:r>
-              <a:rPr lang="en-US" smtClean="0"/>
+              <a:rPr lang="en-US"/>
               <a:t>Click to edit Master title style</a:t>
             </a:r>
             <a:endParaRPr lang="en-GB"/>
@@ -423,35 +423,35 @@
           <a:p>
             <a:pPr lvl="0"/>
             <a:r>
-              <a:rPr lang="en-US" smtClean="0"/>
+              <a:rPr lang="en-US"/>
               <a:t>Click to edit Master text styles</a:t>
             </a:r>
           </a:p>
           <a:p>
             <a:pPr lvl="1"/>
             <a:r>
-              <a:rPr lang="en-US" smtClean="0"/>
+              <a:rPr lang="en-US"/>
               <a:t>Second level</a:t>
             </a:r>
           </a:p>
           <a:p>
             <a:pPr lvl="2"/>
             <a:r>
-              <a:rPr lang="en-US" smtClean="0"/>
+              <a:rPr lang="en-US"/>
               <a:t>Third level</a:t>
             </a:r>
           </a:p>
           <a:p>
             <a:pPr lvl="3"/>
             <a:r>
-              <a:rPr lang="en-US" smtClean="0"/>
+              <a:rPr lang="en-US"/>
               <a:t>Fourth level</a:t>
             </a:r>
           </a:p>
           <a:p>
             <a:pPr lvl="4"/>
             <a:r>
-              <a:rPr lang="en-US" smtClean="0"/>
+              <a:rPr lang="en-US"/>
               <a:t>Fifth level</a:t>
             </a:r>
             <a:endParaRPr lang="en-GB"/>
@@ -475,7 +475,7 @@
           <a:p>
             <a:fld id="{6BA5D40C-A8DC-479A-A5D3-E7B4936A184B}" type="datetimeFigureOut">
               <a:rPr lang="en-GB" smtClean="0"/>
-              <a:t>18/04/2019</a:t>
+              <a:t>03/06/2019</a:t>
             </a:fld>
             <a:endParaRPr lang="en-GB"/>
           </a:p>
@@ -574,7 +574,7 @@
           <a:lstStyle/>
           <a:p>
             <a:r>
-              <a:rPr lang="en-US" smtClean="0"/>
+              <a:rPr lang="en-US"/>
               <a:t>Click to edit Master title style</a:t>
             </a:r>
             <a:endParaRPr lang="en-GB"/>
@@ -603,35 +603,35 @@
           <a:p>
             <a:pPr lvl="0"/>
             <a:r>
-              <a:rPr lang="en-US" smtClean="0"/>
+              <a:rPr lang="en-US"/>
               <a:t>Click to edit Master text styles</a:t>
             </a:r>
           </a:p>
           <a:p>
             <a:pPr lvl="1"/>
             <a:r>
-              <a:rPr lang="en-US" smtClean="0"/>
+              <a:rPr lang="en-US"/>
               <a:t>Second level</a:t>
             </a:r>
           </a:p>
           <a:p>
             <a:pPr lvl="2"/>
             <a:r>
-              <a:rPr lang="en-US" smtClean="0"/>
+              <a:rPr lang="en-US"/>
               <a:t>Third level</a:t>
             </a:r>
           </a:p>
           <a:p>
             <a:pPr lvl="3"/>
             <a:r>
-              <a:rPr lang="en-US" smtClean="0"/>
+              <a:rPr lang="en-US"/>
               <a:t>Fourth level</a:t>
             </a:r>
           </a:p>
           <a:p>
             <a:pPr lvl="4"/>
             <a:r>
-              <a:rPr lang="en-US" smtClean="0"/>
+              <a:rPr lang="en-US"/>
               <a:t>Fifth level</a:t>
             </a:r>
             <a:endParaRPr lang="en-GB"/>
@@ -655,7 +655,7 @@
           <a:p>
             <a:fld id="{6BA5D40C-A8DC-479A-A5D3-E7B4936A184B}" type="datetimeFigureOut">
               <a:rPr lang="en-GB" smtClean="0"/>
-              <a:t>18/04/2019</a:t>
+              <a:t>03/06/2019</a:t>
             </a:fld>
             <a:endParaRPr lang="en-GB"/>
           </a:p>
@@ -749,7 +749,7 @@
           <a:lstStyle/>
           <a:p>
             <a:r>
-              <a:rPr lang="en-US" smtClean="0"/>
+              <a:rPr lang="en-US"/>
               <a:t>Click to edit Master title style</a:t>
             </a:r>
             <a:endParaRPr lang="en-GB"/>
@@ -773,35 +773,35 @@
           <a:p>
             <a:pPr lvl="0"/>
             <a:r>
-              <a:rPr lang="en-US" smtClean="0"/>
+              <a:rPr lang="en-US"/>
               <a:t>Click to edit Master text styles</a:t>
             </a:r>
           </a:p>
           <a:p>
             <a:pPr lvl="1"/>
             <a:r>
-              <a:rPr lang="en-US" smtClean="0"/>
+              <a:rPr lang="en-US"/>
               <a:t>Second level</a:t>
             </a:r>
           </a:p>
           <a:p>
             <a:pPr lvl="2"/>
             <a:r>
-              <a:rPr lang="en-US" smtClean="0"/>
+              <a:rPr lang="en-US"/>
               <a:t>Third level</a:t>
             </a:r>
           </a:p>
           <a:p>
             <a:pPr lvl="3"/>
             <a:r>
-              <a:rPr lang="en-US" smtClean="0"/>
+              <a:rPr lang="en-US"/>
               <a:t>Fourth level</a:t>
             </a:r>
           </a:p>
           <a:p>
             <a:pPr lvl="4"/>
             <a:r>
-              <a:rPr lang="en-US" smtClean="0"/>
+              <a:rPr lang="en-US"/>
               <a:t>Fifth level</a:t>
             </a:r>
             <a:endParaRPr lang="en-GB"/>
@@ -825,7 +825,7 @@
           <a:p>
             <a:fld id="{6BA5D40C-A8DC-479A-A5D3-E7B4936A184B}" type="datetimeFigureOut">
               <a:rPr lang="en-GB" smtClean="0"/>
-              <a:t>18/04/2019</a:t>
+              <a:t>03/06/2019</a:t>
             </a:fld>
             <a:endParaRPr lang="en-GB"/>
           </a:p>
@@ -928,7 +928,7 @@
           </a:lstStyle>
           <a:p>
             <a:r>
-              <a:rPr lang="en-US" smtClean="0"/>
+              <a:rPr lang="en-US"/>
               <a:t>Click to edit Master title style</a:t>
             </a:r>
             <a:endParaRPr lang="en-GB"/>
@@ -1048,7 +1048,7 @@
           <a:p>
             <a:pPr lvl="0"/>
             <a:r>
-              <a:rPr lang="en-US" smtClean="0"/>
+              <a:rPr lang="en-US"/>
               <a:t>Click to edit Master text styles</a:t>
             </a:r>
           </a:p>
@@ -1071,7 +1071,7 @@
           <a:p>
             <a:fld id="{6BA5D40C-A8DC-479A-A5D3-E7B4936A184B}" type="datetimeFigureOut">
               <a:rPr lang="en-GB" smtClean="0"/>
-              <a:t>18/04/2019</a:t>
+              <a:t>03/06/2019</a:t>
             </a:fld>
             <a:endParaRPr lang="en-GB"/>
           </a:p>
@@ -1165,7 +1165,7 @@
           <a:lstStyle/>
           <a:p>
             <a:r>
-              <a:rPr lang="en-US" smtClean="0"/>
+              <a:rPr lang="en-US"/>
               <a:t>Click to edit Master title style</a:t>
             </a:r>
             <a:endParaRPr lang="en-GB"/>
@@ -1222,35 +1222,35 @@
           <a:p>
             <a:pPr lvl="0"/>
             <a:r>
-              <a:rPr lang="en-US" smtClean="0"/>
+              <a:rPr lang="en-US"/>
               <a:t>Click to edit Master text styles</a:t>
             </a:r>
           </a:p>
           <a:p>
             <a:pPr lvl="1"/>
             <a:r>
-              <a:rPr lang="en-US" smtClean="0"/>
+              <a:rPr lang="en-US"/>
               <a:t>Second level</a:t>
             </a:r>
           </a:p>
           <a:p>
             <a:pPr lvl="2"/>
             <a:r>
-              <a:rPr lang="en-US" smtClean="0"/>
+              <a:rPr lang="en-US"/>
               <a:t>Third level</a:t>
             </a:r>
           </a:p>
           <a:p>
             <a:pPr lvl="3"/>
             <a:r>
-              <a:rPr lang="en-US" smtClean="0"/>
+              <a:rPr lang="en-US"/>
               <a:t>Fourth level</a:t>
             </a:r>
           </a:p>
           <a:p>
             <a:pPr lvl="4"/>
             <a:r>
-              <a:rPr lang="en-US" smtClean="0"/>
+              <a:rPr lang="en-US"/>
               <a:t>Fifth level</a:t>
             </a:r>
             <a:endParaRPr lang="en-GB"/>
@@ -1307,35 +1307,35 @@
           <a:p>
             <a:pPr lvl="0"/>
             <a:r>
-              <a:rPr lang="en-US" smtClean="0"/>
+              <a:rPr lang="en-US"/>
               <a:t>Click to edit Master text styles</a:t>
             </a:r>
           </a:p>
           <a:p>
             <a:pPr lvl="1"/>
             <a:r>
-              <a:rPr lang="en-US" smtClean="0"/>
+              <a:rPr lang="en-US"/>
               <a:t>Second level</a:t>
             </a:r>
           </a:p>
           <a:p>
             <a:pPr lvl="2"/>
             <a:r>
-              <a:rPr lang="en-US" smtClean="0"/>
+              <a:rPr lang="en-US"/>
               <a:t>Third level</a:t>
             </a:r>
           </a:p>
           <a:p>
             <a:pPr lvl="3"/>
             <a:r>
-              <a:rPr lang="en-US" smtClean="0"/>
+              <a:rPr lang="en-US"/>
               <a:t>Fourth level</a:t>
             </a:r>
           </a:p>
           <a:p>
             <a:pPr lvl="4"/>
             <a:r>
-              <a:rPr lang="en-US" smtClean="0"/>
+              <a:rPr lang="en-US"/>
               <a:t>Fifth level</a:t>
             </a:r>
             <a:endParaRPr lang="en-GB"/>
@@ -1359,7 +1359,7 @@
           <a:p>
             <a:fld id="{6BA5D40C-A8DC-479A-A5D3-E7B4936A184B}" type="datetimeFigureOut">
               <a:rPr lang="en-GB" smtClean="0"/>
-              <a:t>18/04/2019</a:t>
+              <a:t>03/06/2019</a:t>
             </a:fld>
             <a:endParaRPr lang="en-GB"/>
           </a:p>
@@ -1462,7 +1462,7 @@
           </a:lstStyle>
           <a:p>
             <a:r>
-              <a:rPr lang="en-US" smtClean="0"/>
+              <a:rPr lang="en-US"/>
               <a:t>Click to edit Master title style</a:t>
             </a:r>
             <a:endParaRPr lang="en-GB"/>
@@ -1528,7 +1528,7 @@
           <a:p>
             <a:pPr lvl="0"/>
             <a:r>
-              <a:rPr lang="en-US" smtClean="0"/>
+              <a:rPr lang="en-US"/>
               <a:t>Click to edit Master text styles</a:t>
             </a:r>
           </a:p>
@@ -1584,35 +1584,35 @@
           <a:p>
             <a:pPr lvl="0"/>
             <a:r>
-              <a:rPr lang="en-US" smtClean="0"/>
+              <a:rPr lang="en-US"/>
               <a:t>Click to edit Master text styles</a:t>
             </a:r>
           </a:p>
           <a:p>
             <a:pPr lvl="1"/>
             <a:r>
-              <a:rPr lang="en-US" smtClean="0"/>
+              <a:rPr lang="en-US"/>
               <a:t>Second level</a:t>
             </a:r>
           </a:p>
           <a:p>
             <a:pPr lvl="2"/>
             <a:r>
-              <a:rPr lang="en-US" smtClean="0"/>
+              <a:rPr lang="en-US"/>
               <a:t>Third level</a:t>
             </a:r>
           </a:p>
           <a:p>
             <a:pPr lvl="3"/>
             <a:r>
-              <a:rPr lang="en-US" smtClean="0"/>
+              <a:rPr lang="en-US"/>
               <a:t>Fourth level</a:t>
             </a:r>
           </a:p>
           <a:p>
             <a:pPr lvl="4"/>
             <a:r>
-              <a:rPr lang="en-US" smtClean="0"/>
+              <a:rPr lang="en-US"/>
               <a:t>Fifth level</a:t>
             </a:r>
             <a:endParaRPr lang="en-GB"/>
@@ -1678,7 +1678,7 @@
           <a:p>
             <a:pPr lvl="0"/>
             <a:r>
-              <a:rPr lang="en-US" smtClean="0"/>
+              <a:rPr lang="en-US"/>
               <a:t>Click to edit Master text styles</a:t>
             </a:r>
           </a:p>
@@ -1734,35 +1734,35 @@
           <a:p>
             <a:pPr lvl="0"/>
             <a:r>
-              <a:rPr lang="en-US" smtClean="0"/>
+              <a:rPr lang="en-US"/>
               <a:t>Click to edit Master text styles</a:t>
             </a:r>
           </a:p>
           <a:p>
             <a:pPr lvl="1"/>
             <a:r>
-              <a:rPr lang="en-US" smtClean="0"/>
+              <a:rPr lang="en-US"/>
               <a:t>Second level</a:t>
             </a:r>
           </a:p>
           <a:p>
             <a:pPr lvl="2"/>
             <a:r>
-              <a:rPr lang="en-US" smtClean="0"/>
+              <a:rPr lang="en-US"/>
               <a:t>Third level</a:t>
             </a:r>
           </a:p>
           <a:p>
             <a:pPr lvl="3"/>
             <a:r>
-              <a:rPr lang="en-US" smtClean="0"/>
+              <a:rPr lang="en-US"/>
               <a:t>Fourth level</a:t>
             </a:r>
           </a:p>
           <a:p>
             <a:pPr lvl="4"/>
             <a:r>
-              <a:rPr lang="en-US" smtClean="0"/>
+              <a:rPr lang="en-US"/>
               <a:t>Fifth level</a:t>
             </a:r>
             <a:endParaRPr lang="en-GB"/>
@@ -1786,7 +1786,7 @@
           <a:p>
             <a:fld id="{6BA5D40C-A8DC-479A-A5D3-E7B4936A184B}" type="datetimeFigureOut">
               <a:rPr lang="en-GB" smtClean="0"/>
-              <a:t>18/04/2019</a:t>
+              <a:t>03/06/2019</a:t>
             </a:fld>
             <a:endParaRPr lang="en-GB"/>
           </a:p>
@@ -1880,7 +1880,7 @@
           <a:lstStyle/>
           <a:p>
             <a:r>
-              <a:rPr lang="en-US" smtClean="0"/>
+              <a:rPr lang="en-US"/>
               <a:t>Click to edit Master title style</a:t>
             </a:r>
             <a:endParaRPr lang="en-GB"/>
@@ -1904,7 +1904,7 @@
           <a:p>
             <a:fld id="{6BA5D40C-A8DC-479A-A5D3-E7B4936A184B}" type="datetimeFigureOut">
               <a:rPr lang="en-GB" smtClean="0"/>
-              <a:t>18/04/2019</a:t>
+              <a:t>03/06/2019</a:t>
             </a:fld>
             <a:endParaRPr lang="en-GB"/>
           </a:p>
@@ -1999,7 +1999,7 @@
           <a:p>
             <a:fld id="{6BA5D40C-A8DC-479A-A5D3-E7B4936A184B}" type="datetimeFigureOut">
               <a:rPr lang="en-GB" smtClean="0"/>
-              <a:t>18/04/2019</a:t>
+              <a:t>03/06/2019</a:t>
             </a:fld>
             <a:endParaRPr lang="en-GB"/>
           </a:p>
@@ -2102,7 +2102,7 @@
           </a:lstStyle>
           <a:p>
             <a:r>
-              <a:rPr lang="en-US" smtClean="0"/>
+              <a:rPr lang="en-US"/>
               <a:t>Click to edit Master title style</a:t>
             </a:r>
             <a:endParaRPr lang="en-GB"/>
@@ -2159,35 +2159,35 @@
           <a:p>
             <a:pPr lvl="0"/>
             <a:r>
-              <a:rPr lang="en-US" smtClean="0"/>
+              <a:rPr lang="en-US"/>
               <a:t>Click to edit Master text styles</a:t>
             </a:r>
           </a:p>
           <a:p>
             <a:pPr lvl="1"/>
             <a:r>
-              <a:rPr lang="en-US" smtClean="0"/>
+              <a:rPr lang="en-US"/>
               <a:t>Second level</a:t>
             </a:r>
           </a:p>
           <a:p>
             <a:pPr lvl="2"/>
             <a:r>
-              <a:rPr lang="en-US" smtClean="0"/>
+              <a:rPr lang="en-US"/>
               <a:t>Third level</a:t>
             </a:r>
           </a:p>
           <a:p>
             <a:pPr lvl="3"/>
             <a:r>
-              <a:rPr lang="en-US" smtClean="0"/>
+              <a:rPr lang="en-US"/>
               <a:t>Fourth level</a:t>
             </a:r>
           </a:p>
           <a:p>
             <a:pPr lvl="4"/>
             <a:r>
-              <a:rPr lang="en-US" smtClean="0"/>
+              <a:rPr lang="en-US"/>
               <a:t>Fifth level</a:t>
             </a:r>
             <a:endParaRPr lang="en-GB"/>
@@ -2253,7 +2253,7 @@
           <a:p>
             <a:pPr lvl="0"/>
             <a:r>
-              <a:rPr lang="en-US" smtClean="0"/>
+              <a:rPr lang="en-US"/>
               <a:t>Click to edit Master text styles</a:t>
             </a:r>
           </a:p>
@@ -2276,7 +2276,7 @@
           <a:p>
             <a:fld id="{6BA5D40C-A8DC-479A-A5D3-E7B4936A184B}" type="datetimeFigureOut">
               <a:rPr lang="en-GB" smtClean="0"/>
-              <a:t>18/04/2019</a:t>
+              <a:t>03/06/2019</a:t>
             </a:fld>
             <a:endParaRPr lang="en-GB"/>
           </a:p>
@@ -2379,7 +2379,7 @@
           </a:lstStyle>
           <a:p>
             <a:r>
-              <a:rPr lang="en-US" smtClean="0"/>
+              <a:rPr lang="en-US"/>
               <a:t>Click to edit Master title style</a:t>
             </a:r>
             <a:endParaRPr lang="en-GB"/>
@@ -2506,7 +2506,7 @@
           <a:p>
             <a:pPr lvl="0"/>
             <a:r>
-              <a:rPr lang="en-US" smtClean="0"/>
+              <a:rPr lang="en-US"/>
               <a:t>Click to edit Master text styles</a:t>
             </a:r>
           </a:p>
@@ -2529,7 +2529,7 @@
           <a:p>
             <a:fld id="{6BA5D40C-A8DC-479A-A5D3-E7B4936A184B}" type="datetimeFigureOut">
               <a:rPr lang="en-GB" smtClean="0"/>
-              <a:t>18/04/2019</a:t>
+              <a:t>03/06/2019</a:t>
             </a:fld>
             <a:endParaRPr lang="en-GB"/>
           </a:p>
@@ -2638,7 +2638,7 @@
           <a:lstStyle/>
           <a:p>
             <a:r>
-              <a:rPr lang="en-US" smtClean="0"/>
+              <a:rPr lang="en-US"/>
               <a:t>Click to edit Master title style</a:t>
             </a:r>
             <a:endParaRPr lang="en-GB"/>
@@ -2672,35 +2672,35 @@
           <a:p>
             <a:pPr lvl="0"/>
             <a:r>
-              <a:rPr lang="en-US" smtClean="0"/>
+              <a:rPr lang="en-US"/>
               <a:t>Click to edit Master text styles</a:t>
             </a:r>
           </a:p>
           <a:p>
             <a:pPr lvl="1"/>
             <a:r>
-              <a:rPr lang="en-US" smtClean="0"/>
+              <a:rPr lang="en-US"/>
               <a:t>Second level</a:t>
             </a:r>
           </a:p>
           <a:p>
             <a:pPr lvl="2"/>
             <a:r>
-              <a:rPr lang="en-US" smtClean="0"/>
+              <a:rPr lang="en-US"/>
               <a:t>Third level</a:t>
             </a:r>
           </a:p>
           <a:p>
             <a:pPr lvl="3"/>
             <a:r>
-              <a:rPr lang="en-US" smtClean="0"/>
+              <a:rPr lang="en-US"/>
               <a:t>Fourth level</a:t>
             </a:r>
           </a:p>
           <a:p>
             <a:pPr lvl="4"/>
             <a:r>
-              <a:rPr lang="en-US" smtClean="0"/>
+              <a:rPr lang="en-US"/>
               <a:t>Fifth level</a:t>
             </a:r>
             <a:endParaRPr lang="en-GB"/>
@@ -2742,7 +2742,7 @@
           <a:p>
             <a:fld id="{6BA5D40C-A8DC-479A-A5D3-E7B4936A184B}" type="datetimeFigureOut">
               <a:rPr lang="en-GB" smtClean="0"/>
-              <a:t>18/04/2019</a:t>
+              <a:t>03/06/2019</a:t>
             </a:fld>
             <a:endParaRPr lang="en-GB"/>
           </a:p>
@@ -8952,46 +8952,43 @@
       </p:grpSpPr>
       <p:grpSp>
         <p:nvGrpSpPr>
-          <p:cNvPr id="2" name="grp1"/>
+          <p:cNvPr id="114" name="组合 113">
+            <a:extLst>
+              <a:ext uri="{FF2B5EF4-FFF2-40B4-BE49-F238E27FC236}">
+                <a16:creationId xmlns:a16="http://schemas.microsoft.com/office/drawing/2014/main" id="{B0EAB9BF-4B41-4692-9884-F5B30579EBF2}"/>
+              </a:ext>
+            </a:extLst>
+          </p:cNvPr>
           <p:cNvGrpSpPr/>
           <p:nvPr/>
         </p:nvGrpSpPr>
         <p:grpSpPr>
           <a:xfrm>
-            <a:off x="396081" y="352425"/>
-            <a:ext cx="9144000" cy="7010400"/>
-            <a:chOff x="2610644" y="1300162"/>
-            <a:chExt cx="5476874" cy="4962524"/>
+            <a:off x="76044" y="450731"/>
+            <a:ext cx="7661297" cy="6253875"/>
+            <a:chOff x="76044" y="450731"/>
+            <a:chExt cx="7661297" cy="6253875"/>
           </a:xfrm>
         </p:grpSpPr>
         <p:sp>
           <p:nvSpPr>
-            <p:cNvPr id="3" name="rc3"/>
-            <p:cNvSpPr/>
-            <p:nvPr/>
-          </p:nvSpPr>
-          <p:spPr>
-            <a:xfrm>
-              <a:off x="2610644" y="1300162"/>
-              <a:ext cx="5476874" cy="4962524"/>
+            <p:cNvPr id="5" name="rc5"/>
+            <p:cNvSpPr/>
+            <p:nvPr/>
+          </p:nvSpPr>
+          <p:spPr>
+            <a:xfrm>
+              <a:off x="1204221" y="450731"/>
+              <a:ext cx="6533120" cy="5296047"/>
             </a:xfrm>
             <a:prstGeom prst="rect">
               <a:avLst/>
             </a:prstGeom>
             <a:solidFill>
-              <a:srgbClr val="FFFFFF">
+              <a:srgbClr val="EBEBEB">
                 <a:alpha val="100000"/>
               </a:srgbClr>
             </a:solidFill>
-            <a:ln w="9525" cap="rnd">
-              <a:solidFill>
-                <a:srgbClr val="FFFFFF">
-                  <a:alpha val="100000"/>
-                </a:srgbClr>
-              </a:solidFill>
-              <a:prstDash val="solid"/>
-              <a:round/>
-            </a:ln>
           </p:spPr>
           <p:txBody>
             <a:bodyPr/>
@@ -9033,24 +9030,36 @@
         </p:sp>
         <p:sp>
           <p:nvSpPr>
-            <p:cNvPr id="4" name="rc4"/>
-            <p:cNvSpPr/>
-            <p:nvPr/>
-          </p:nvSpPr>
-          <p:spPr>
-            <a:xfrm>
-              <a:off x="2610644" y="1300162"/>
-              <a:ext cx="5476874" cy="4962524"/>
-            </a:xfrm>
-            <a:prstGeom prst="rect">
-              <a:avLst/>
-            </a:prstGeom>
-            <a:solidFill>
-              <a:srgbClr val="FFFFFF">
-                <a:alpha val="100000"/>
-              </a:srgbClr>
-            </a:solidFill>
-            <a:ln w="13550" cap="rnd">
+            <p:cNvPr id="6" name="pl6"/>
+            <p:cNvSpPr/>
+            <p:nvPr/>
+          </p:nvSpPr>
+          <p:spPr>
+            <a:xfrm>
+              <a:off x="1196042" y="5006534"/>
+              <a:ext cx="6533120" cy="0"/>
+            </a:xfrm>
+            <a:custGeom>
+              <a:avLst/>
+              <a:gdLst/>
+              <a:ahLst/>
+              <a:cxnLst/>
+              <a:rect l="0" t="0" r="0" b="0"/>
+              <a:pathLst>
+                <a:path w="3913066">
+                  <a:moveTo>
+                    <a:pt x="0" y="0"/>
+                  </a:moveTo>
+                  <a:lnTo>
+                    <a:pt x="3913066" y="0"/>
+                  </a:lnTo>
+                  <a:lnTo>
+                    <a:pt x="3913066" y="0"/>
+                  </a:lnTo>
+                </a:path>
+              </a:pathLst>
+            </a:custGeom>
+            <a:ln w="6775" cap="flat">
               <a:solidFill>
                 <a:srgbClr val="FFFFFF">
                   <a:alpha val="100000"/>
@@ -9100,23 +9109,44 @@
         </p:sp>
         <p:sp>
           <p:nvSpPr>
-            <p:cNvPr id="5" name="rc5"/>
-            <p:cNvSpPr/>
-            <p:nvPr/>
-          </p:nvSpPr>
-          <p:spPr>
-            <a:xfrm>
-              <a:off x="3089787" y="1369751"/>
-              <a:ext cx="3913066" cy="3748967"/>
-            </a:xfrm>
-            <a:prstGeom prst="rect">
-              <a:avLst/>
-            </a:prstGeom>
-            <a:solidFill>
-              <a:srgbClr val="EBEBEB">
-                <a:alpha val="100000"/>
-              </a:srgbClr>
-            </a:solidFill>
+            <p:cNvPr id="7" name="pl7"/>
+            <p:cNvSpPr/>
+            <p:nvPr/>
+          </p:nvSpPr>
+          <p:spPr>
+            <a:xfrm>
+              <a:off x="1196042" y="3579928"/>
+              <a:ext cx="6533120" cy="0"/>
+            </a:xfrm>
+            <a:custGeom>
+              <a:avLst/>
+              <a:gdLst/>
+              <a:ahLst/>
+              <a:cxnLst/>
+              <a:rect l="0" t="0" r="0" b="0"/>
+              <a:pathLst>
+                <a:path w="3913066">
+                  <a:moveTo>
+                    <a:pt x="0" y="0"/>
+                  </a:moveTo>
+                  <a:lnTo>
+                    <a:pt x="3913066" y="0"/>
+                  </a:lnTo>
+                  <a:lnTo>
+                    <a:pt x="3913066" y="0"/>
+                  </a:lnTo>
+                </a:path>
+              </a:pathLst>
+            </a:custGeom>
+            <a:ln w="6775" cap="flat">
+              <a:solidFill>
+                <a:srgbClr val="FFFFFF">
+                  <a:alpha val="100000"/>
+                </a:srgbClr>
+              </a:solidFill>
+              <a:prstDash val="solid"/>
+              <a:round/>
+            </a:ln>
           </p:spPr>
           <p:txBody>
             <a:bodyPr/>
@@ -9158,14 +9188,14 @@
         </p:sp>
         <p:sp>
           <p:nvSpPr>
-            <p:cNvPr id="6" name="pl6"/>
-            <p:cNvSpPr/>
-            <p:nvPr/>
-          </p:nvSpPr>
-          <p:spPr>
-            <a:xfrm>
-              <a:off x="3089787" y="4594714"/>
-              <a:ext cx="3913066" cy="0"/>
+            <p:cNvPr id="8" name="pl8"/>
+            <p:cNvSpPr/>
+            <p:nvPr/>
+          </p:nvSpPr>
+          <p:spPr>
+            <a:xfrm>
+              <a:off x="1196042" y="2153321"/>
+              <a:ext cx="6533120" cy="0"/>
             </a:xfrm>
             <a:custGeom>
               <a:avLst/>
@@ -9237,14 +9267,14 @@
         </p:sp>
         <p:sp>
           <p:nvSpPr>
-            <p:cNvPr id="7" name="pl7"/>
-            <p:cNvSpPr/>
-            <p:nvPr/>
-          </p:nvSpPr>
-          <p:spPr>
-            <a:xfrm>
-              <a:off x="3089787" y="3584848"/>
-              <a:ext cx="3913066" cy="0"/>
+            <p:cNvPr id="9" name="pl9"/>
+            <p:cNvSpPr/>
+            <p:nvPr/>
+          </p:nvSpPr>
+          <p:spPr>
+            <a:xfrm>
+              <a:off x="1196042" y="726716"/>
+              <a:ext cx="6533120" cy="0"/>
             </a:xfrm>
             <a:custGeom>
               <a:avLst/>
@@ -9316,14 +9346,14 @@
         </p:sp>
         <p:sp>
           <p:nvSpPr>
-            <p:cNvPr id="8" name="pl8"/>
-            <p:cNvSpPr/>
-            <p:nvPr/>
-          </p:nvSpPr>
-          <p:spPr>
-            <a:xfrm>
-              <a:off x="3089787" y="2574981"/>
-              <a:ext cx="3913066" cy="0"/>
+            <p:cNvPr id="10" name="pl10"/>
+            <p:cNvSpPr/>
+            <p:nvPr/>
+          </p:nvSpPr>
+          <p:spPr>
+            <a:xfrm>
+              <a:off x="1196042" y="5934711"/>
+              <a:ext cx="6533120" cy="0"/>
             </a:xfrm>
             <a:custGeom>
               <a:avLst/>
@@ -9345,7 +9375,85 @@
                 </a:path>
               </a:pathLst>
             </a:custGeom>
-            <a:ln w="6775" cap="flat">
+            <a:ln w="13550" cap="flat">
+              <a:solidFill>
+                <a:srgbClr val="FFFFFF">
+                  <a:alpha val="100000"/>
+                </a:srgbClr>
+              </a:solidFill>
+              <a:prstDash val="solid"/>
+              <a:round/>
+            </a:ln>
+          </p:spPr>
+          <p:txBody>
+            <a:bodyPr/>
+            <a:lstStyle/>
+            <a:p>
+              <a:pPr marL="0" marR="0" lvl="0" indent="0" algn="l" defTabSz="995964" rtl="0" eaLnBrk="1" fontAlgn="auto" latinLnBrk="0" hangingPunct="1">
+                <a:lnSpc>
+                  <a:spcPct val="100000"/>
+                </a:lnSpc>
+                <a:spcBef>
+                  <a:spcPts val="0"/>
+                </a:spcBef>
+                <a:spcAft>
+                  <a:spcPts val="0"/>
+                </a:spcAft>
+                <a:buClrTx/>
+                <a:buSzTx/>
+                <a:buFontTx/>
+                <a:buNone/>
+                <a:tabLst/>
+                <a:defRPr/>
+              </a:pPr>
+              <a:endParaRPr kumimoji="0" sz="1800" b="0" i="0" u="none" strike="noStrike" kern="1200" cap="none" spc="0" normalizeH="0" baseline="0" noProof="0">
+                <a:ln>
+                  <a:noFill/>
+                </a:ln>
+                <a:solidFill>
+                  <a:prstClr val="black"/>
+                </a:solidFill>
+                <a:effectLst/>
+                <a:uLnTx/>
+                <a:uFillTx/>
+                <a:latin typeface="Times New Roman" panose="02020603050405020304" pitchFamily="18" charset="0"/>
+                <a:cs typeface="Times New Roman" panose="02020603050405020304" pitchFamily="18" charset="0"/>
+              </a:endParaRPr>
+            </a:p>
+          </p:txBody>
+        </p:sp>
+        <p:sp>
+          <p:nvSpPr>
+            <p:cNvPr id="11" name="pl11"/>
+            <p:cNvSpPr/>
+            <p:nvPr/>
+          </p:nvSpPr>
+          <p:spPr>
+            <a:xfrm>
+              <a:off x="1196042" y="4293231"/>
+              <a:ext cx="6533120" cy="0"/>
+            </a:xfrm>
+            <a:custGeom>
+              <a:avLst/>
+              <a:gdLst/>
+              <a:ahLst/>
+              <a:cxnLst/>
+              <a:rect l="0" t="0" r="0" b="0"/>
+              <a:pathLst>
+                <a:path w="3913066">
+                  <a:moveTo>
+                    <a:pt x="0" y="0"/>
+                  </a:moveTo>
+                  <a:lnTo>
+                    <a:pt x="3913066" y="0"/>
+                  </a:lnTo>
+                  <a:lnTo>
+                    <a:pt x="3913066" y="0"/>
+                  </a:lnTo>
+                </a:path>
+              </a:pathLst>
+            </a:custGeom>
+            <a:ln w="13550" cap="flat">
               <a:solidFill>
                 <a:srgbClr val="FFFFFF">
                   <a:alpha val="100000"/>
@@ -9395,14 +9503,14 @@
         </p:sp>
         <p:sp>
           <p:nvSpPr>
-            <p:cNvPr id="9" name="pl9"/>
-            <p:cNvSpPr/>
-            <p:nvPr/>
-          </p:nvSpPr>
-          <p:spPr>
-            <a:xfrm>
-              <a:off x="3089787" y="1565115"/>
-              <a:ext cx="3913066" cy="0"/>
+            <p:cNvPr id="12" name="pl12"/>
+            <p:cNvSpPr/>
+            <p:nvPr/>
+          </p:nvSpPr>
+          <p:spPr>
+            <a:xfrm>
+              <a:off x="1196042" y="2866626"/>
+              <a:ext cx="6533120" cy="0"/>
             </a:xfrm>
             <a:custGeom>
               <a:avLst/>
@@ -9424,7 +9532,7 @@
                 </a:path>
               </a:pathLst>
             </a:custGeom>
-            <a:ln w="6775" cap="flat">
+            <a:ln w="13550" cap="flat">
               <a:solidFill>
                 <a:srgbClr val="FFFFFF">
                   <a:alpha val="100000"/>
@@ -9474,14 +9582,14 @@
         </p:sp>
         <p:sp>
           <p:nvSpPr>
-            <p:cNvPr id="10" name="pl10"/>
-            <p:cNvSpPr/>
-            <p:nvPr/>
-          </p:nvSpPr>
-          <p:spPr>
-            <a:xfrm>
-              <a:off x="3089787" y="5099647"/>
-              <a:ext cx="3913066" cy="0"/>
+            <p:cNvPr id="13" name="pl13"/>
+            <p:cNvSpPr/>
+            <p:nvPr/>
+          </p:nvSpPr>
+          <p:spPr>
+            <a:xfrm>
+              <a:off x="1196042" y="1440018"/>
+              <a:ext cx="6533120" cy="0"/>
             </a:xfrm>
             <a:custGeom>
               <a:avLst/>
@@ -9553,14 +9661,14 @@
         </p:sp>
         <p:sp>
           <p:nvSpPr>
-            <p:cNvPr id="11" name="pl11"/>
-            <p:cNvSpPr/>
-            <p:nvPr/>
-          </p:nvSpPr>
-          <p:spPr>
-            <a:xfrm>
-              <a:off x="3089787" y="4089781"/>
-              <a:ext cx="3913066" cy="0"/>
+            <p:cNvPr id="14" name="pl14"/>
+            <p:cNvSpPr/>
+            <p:nvPr/>
+          </p:nvSpPr>
+          <p:spPr>
+            <a:xfrm>
+              <a:off x="1517343" y="450731"/>
+              <a:ext cx="0" cy="5296047"/>
             </a:xfrm>
             <a:custGeom>
               <a:avLst/>
@@ -9569,15 +9677,15 @@
               <a:cxnLst/>
               <a:rect l="0" t="0" r="0" b="0"/>
               <a:pathLst>
-                <a:path w="3913066">
+                <a:path h="3748967">
                   <a:moveTo>
-                    <a:pt x="0" y="0"/>
+                    <a:pt x="0" y="3748967"/>
                   </a:moveTo>
                   <a:lnTo>
-                    <a:pt x="3913066" y="0"/>
-                  </a:lnTo>
-                  <a:lnTo>
-                    <a:pt x="3913066" y="0"/>
+                    <a:pt x="0" y="0"/>
+                  </a:lnTo>
+                  <a:lnTo>
+                    <a:pt x="0" y="0"/>
                   </a:lnTo>
                 </a:path>
               </a:pathLst>
@@ -9632,14 +9740,14 @@
         </p:sp>
         <p:sp>
           <p:nvSpPr>
-            <p:cNvPr id="12" name="pl12"/>
-            <p:cNvSpPr/>
-            <p:nvPr/>
-          </p:nvSpPr>
-          <p:spPr>
-            <a:xfrm>
-              <a:off x="3089787" y="3079915"/>
-              <a:ext cx="3913066" cy="0"/>
+            <p:cNvPr id="15" name="pl15"/>
+            <p:cNvSpPr/>
+            <p:nvPr/>
+          </p:nvSpPr>
+          <p:spPr>
+            <a:xfrm>
+              <a:off x="2052844" y="450731"/>
+              <a:ext cx="0" cy="5296047"/>
             </a:xfrm>
             <a:custGeom>
               <a:avLst/>
@@ -9648,15 +9756,15 @@
               <a:cxnLst/>
               <a:rect l="0" t="0" r="0" b="0"/>
               <a:pathLst>
-                <a:path w="3913066">
+                <a:path h="3748967">
                   <a:moveTo>
-                    <a:pt x="0" y="0"/>
+                    <a:pt x="0" y="3748967"/>
                   </a:moveTo>
                   <a:lnTo>
-                    <a:pt x="3913066" y="0"/>
-                  </a:lnTo>
-                  <a:lnTo>
-                    <a:pt x="3913066" y="0"/>
+                    <a:pt x="0" y="0"/>
+                  </a:lnTo>
+                  <a:lnTo>
+                    <a:pt x="0" y="0"/>
                   </a:lnTo>
                 </a:path>
               </a:pathLst>
@@ -9711,14 +9819,14 @@
         </p:sp>
         <p:sp>
           <p:nvSpPr>
-            <p:cNvPr id="13" name="pl13"/>
-            <p:cNvSpPr/>
-            <p:nvPr/>
-          </p:nvSpPr>
-          <p:spPr>
-            <a:xfrm>
-              <a:off x="3089787" y="2070048"/>
-              <a:ext cx="3913066" cy="0"/>
+            <p:cNvPr id="16" name="pl16"/>
+            <p:cNvSpPr/>
+            <p:nvPr/>
+          </p:nvSpPr>
+          <p:spPr>
+            <a:xfrm>
+              <a:off x="2588346" y="450731"/>
+              <a:ext cx="0" cy="5296047"/>
             </a:xfrm>
             <a:custGeom>
               <a:avLst/>
@@ -9727,15 +9835,15 @@
               <a:cxnLst/>
               <a:rect l="0" t="0" r="0" b="0"/>
               <a:pathLst>
-                <a:path w="3913066">
+                <a:path h="3748967">
                   <a:moveTo>
-                    <a:pt x="0" y="0"/>
+                    <a:pt x="0" y="3748967"/>
                   </a:moveTo>
                   <a:lnTo>
-                    <a:pt x="3913066" y="0"/>
-                  </a:lnTo>
-                  <a:lnTo>
-                    <a:pt x="3913066" y="0"/>
+                    <a:pt x="0" y="0"/>
+                  </a:lnTo>
+                  <a:lnTo>
+                    <a:pt x="0" y="0"/>
                   </a:lnTo>
                 </a:path>
               </a:pathLst>
@@ -9790,14 +9898,14 @@
         </p:sp>
         <p:sp>
           <p:nvSpPr>
-            <p:cNvPr id="14" name="pl14"/>
-            <p:cNvSpPr/>
-            <p:nvPr/>
-          </p:nvSpPr>
-          <p:spPr>
-            <a:xfrm>
-              <a:off x="3282233" y="1369751"/>
-              <a:ext cx="0" cy="3748967"/>
+            <p:cNvPr id="17" name="pl17"/>
+            <p:cNvSpPr/>
+            <p:nvPr/>
+          </p:nvSpPr>
+          <p:spPr>
+            <a:xfrm>
+              <a:off x="3123847" y="450731"/>
+              <a:ext cx="0" cy="5296047"/>
             </a:xfrm>
             <a:custGeom>
               <a:avLst/>
@@ -9869,14 +9977,14 @@
         </p:sp>
         <p:sp>
           <p:nvSpPr>
-            <p:cNvPr id="15" name="pl15"/>
-            <p:cNvSpPr/>
-            <p:nvPr/>
-          </p:nvSpPr>
-          <p:spPr>
-            <a:xfrm>
-              <a:off x="3602976" y="1369751"/>
-              <a:ext cx="0" cy="3748967"/>
+            <p:cNvPr id="18" name="pl18"/>
+            <p:cNvSpPr/>
+            <p:nvPr/>
+          </p:nvSpPr>
+          <p:spPr>
+            <a:xfrm>
+              <a:off x="3659349" y="450731"/>
+              <a:ext cx="0" cy="5296047"/>
             </a:xfrm>
             <a:custGeom>
               <a:avLst/>
@@ -9948,14 +10056,14 @@
         </p:sp>
         <p:sp>
           <p:nvSpPr>
-            <p:cNvPr id="16" name="pl16"/>
-            <p:cNvSpPr/>
-            <p:nvPr/>
-          </p:nvSpPr>
-          <p:spPr>
-            <a:xfrm>
-              <a:off x="3923719" y="1369751"/>
-              <a:ext cx="0" cy="3748967"/>
+            <p:cNvPr id="19" name="pl19"/>
+            <p:cNvSpPr/>
+            <p:nvPr/>
+          </p:nvSpPr>
+          <p:spPr>
+            <a:xfrm>
+              <a:off x="4194852" y="450731"/>
+              <a:ext cx="0" cy="5296047"/>
             </a:xfrm>
             <a:custGeom>
               <a:avLst/>
@@ -10027,14 +10135,14 @@
         </p:sp>
         <p:sp>
           <p:nvSpPr>
-            <p:cNvPr id="17" name="pl17"/>
-            <p:cNvSpPr/>
-            <p:nvPr/>
-          </p:nvSpPr>
-          <p:spPr>
-            <a:xfrm>
-              <a:off x="4244462" y="1369751"/>
-              <a:ext cx="0" cy="3748967"/>
+            <p:cNvPr id="20" name="pl20"/>
+            <p:cNvSpPr/>
+            <p:nvPr/>
+          </p:nvSpPr>
+          <p:spPr>
+            <a:xfrm>
+              <a:off x="4730353" y="450731"/>
+              <a:ext cx="0" cy="5296047"/>
             </a:xfrm>
             <a:custGeom>
               <a:avLst/>
@@ -10106,14 +10214,14 @@
         </p:sp>
         <p:sp>
           <p:nvSpPr>
-            <p:cNvPr id="18" name="pl18"/>
-            <p:cNvSpPr/>
-            <p:nvPr/>
-          </p:nvSpPr>
-          <p:spPr>
-            <a:xfrm>
-              <a:off x="4565205" y="1369751"/>
-              <a:ext cx="0" cy="3748967"/>
+            <p:cNvPr id="21" name="pl21"/>
+            <p:cNvSpPr/>
+            <p:nvPr/>
+          </p:nvSpPr>
+          <p:spPr>
+            <a:xfrm>
+              <a:off x="5265855" y="450731"/>
+              <a:ext cx="0" cy="5296047"/>
             </a:xfrm>
             <a:custGeom>
               <a:avLst/>
@@ -10185,14 +10293,14 @@
         </p:sp>
         <p:sp>
           <p:nvSpPr>
-            <p:cNvPr id="19" name="pl19"/>
-            <p:cNvSpPr/>
-            <p:nvPr/>
-          </p:nvSpPr>
-          <p:spPr>
-            <a:xfrm>
-              <a:off x="4885949" y="1369751"/>
-              <a:ext cx="0" cy="3748967"/>
+            <p:cNvPr id="22" name="pl22"/>
+            <p:cNvSpPr/>
+            <p:nvPr/>
+          </p:nvSpPr>
+          <p:spPr>
+            <a:xfrm>
+              <a:off x="5801356" y="450731"/>
+              <a:ext cx="0" cy="5296047"/>
             </a:xfrm>
             <a:custGeom>
               <a:avLst/>
@@ -10264,14 +10372,14 @@
         </p:sp>
         <p:sp>
           <p:nvSpPr>
-            <p:cNvPr id="20" name="pl20"/>
-            <p:cNvSpPr/>
-            <p:nvPr/>
-          </p:nvSpPr>
-          <p:spPr>
-            <a:xfrm>
-              <a:off x="5206692" y="1369751"/>
-              <a:ext cx="0" cy="3748967"/>
+            <p:cNvPr id="23" name="pl23"/>
+            <p:cNvSpPr/>
+            <p:nvPr/>
+          </p:nvSpPr>
+          <p:spPr>
+            <a:xfrm>
+              <a:off x="6336858" y="450731"/>
+              <a:ext cx="0" cy="5296047"/>
             </a:xfrm>
             <a:custGeom>
               <a:avLst/>
@@ -10343,14 +10451,14 @@
         </p:sp>
         <p:sp>
           <p:nvSpPr>
-            <p:cNvPr id="21" name="pl21"/>
-            <p:cNvSpPr/>
-            <p:nvPr/>
-          </p:nvSpPr>
-          <p:spPr>
-            <a:xfrm>
-              <a:off x="5527435" y="1369751"/>
-              <a:ext cx="0" cy="3748967"/>
+            <p:cNvPr id="24" name="pl24"/>
+            <p:cNvSpPr/>
+            <p:nvPr/>
+          </p:nvSpPr>
+          <p:spPr>
+            <a:xfrm>
+              <a:off x="6872359" y="450731"/>
+              <a:ext cx="0" cy="5296047"/>
             </a:xfrm>
             <a:custGeom>
               <a:avLst/>
@@ -10422,14 +10530,14 @@
         </p:sp>
         <p:sp>
           <p:nvSpPr>
-            <p:cNvPr id="22" name="pl22"/>
-            <p:cNvSpPr/>
-            <p:nvPr/>
-          </p:nvSpPr>
-          <p:spPr>
-            <a:xfrm>
-              <a:off x="5848178" y="1369751"/>
-              <a:ext cx="0" cy="3748967"/>
+            <p:cNvPr id="25" name="pl25"/>
+            <p:cNvSpPr/>
+            <p:nvPr/>
+          </p:nvSpPr>
+          <p:spPr>
+            <a:xfrm>
+              <a:off x="7407861" y="450731"/>
+              <a:ext cx="0" cy="5296047"/>
             </a:xfrm>
             <a:custGeom>
               <a:avLst/>
@@ -10501,14 +10609,14 @@
         </p:sp>
         <p:sp>
           <p:nvSpPr>
-            <p:cNvPr id="23" name="pl23"/>
-            <p:cNvSpPr/>
-            <p:nvPr/>
-          </p:nvSpPr>
-          <p:spPr>
-            <a:xfrm>
-              <a:off x="6168921" y="1369751"/>
-              <a:ext cx="0" cy="3748967"/>
+            <p:cNvPr id="26" name="pl26"/>
+            <p:cNvSpPr/>
+            <p:nvPr/>
+          </p:nvSpPr>
+          <p:spPr>
+            <a:xfrm>
+              <a:off x="3632574" y="3225867"/>
+              <a:ext cx="53550" cy="0"/>
             </a:xfrm>
             <a:custGeom>
               <a:avLst/>
@@ -10517,22 +10625,19 @@
               <a:cxnLst/>
               <a:rect l="0" t="0" r="0" b="0"/>
               <a:pathLst>
-                <a:path h="3748967">
+                <a:path w="32074">
                   <a:moveTo>
-                    <a:pt x="0" y="3748967"/>
+                    <a:pt x="0" y="0"/>
                   </a:moveTo>
                   <a:lnTo>
-                    <a:pt x="0" y="0"/>
-                  </a:lnTo>
-                  <a:lnTo>
-                    <a:pt x="0" y="0"/>
+                    <a:pt x="32074" y="0"/>
                   </a:lnTo>
                 </a:path>
               </a:pathLst>
             </a:custGeom>
             <a:ln w="13550" cap="flat">
               <a:solidFill>
-                <a:srgbClr val="FFFFFF">
+                <a:srgbClr val="F8766D">
                   <a:alpha val="100000"/>
                 </a:srgbClr>
               </a:solidFill>
@@ -10580,14 +10685,14 @@
         </p:sp>
         <p:sp>
           <p:nvSpPr>
-            <p:cNvPr id="24" name="pl24"/>
-            <p:cNvSpPr/>
-            <p:nvPr/>
-          </p:nvSpPr>
-          <p:spPr>
-            <a:xfrm>
-              <a:off x="6489664" y="1369751"/>
-              <a:ext cx="0" cy="3748967"/>
+            <p:cNvPr id="27" name="pl27"/>
+            <p:cNvSpPr/>
+            <p:nvPr/>
+          </p:nvSpPr>
+          <p:spPr>
+            <a:xfrm>
+              <a:off x="3659349" y="3225867"/>
+              <a:ext cx="0" cy="1136918"/>
             </a:xfrm>
             <a:custGeom>
               <a:avLst/>
@@ -10596,22 +10701,19 @@
               <a:cxnLst/>
               <a:rect l="0" t="0" r="0" b="0"/>
               <a:pathLst>
-                <a:path h="3748967">
+                <a:path h="804802">
                   <a:moveTo>
-                    <a:pt x="0" y="3748967"/>
+                    <a:pt x="0" y="0"/>
                   </a:moveTo>
                   <a:lnTo>
-                    <a:pt x="0" y="0"/>
-                  </a:lnTo>
-                  <a:lnTo>
-                    <a:pt x="0" y="0"/>
+                    <a:pt x="0" y="804802"/>
                   </a:lnTo>
                 </a:path>
               </a:pathLst>
             </a:custGeom>
             <a:ln w="13550" cap="flat">
               <a:solidFill>
-                <a:srgbClr val="FFFFFF">
+                <a:srgbClr val="F8766D">
                   <a:alpha val="100000"/>
                 </a:srgbClr>
               </a:solidFill>
@@ -10659,14 +10761,14 @@
         </p:sp>
         <p:sp>
           <p:nvSpPr>
-            <p:cNvPr id="25" name="pl25"/>
-            <p:cNvSpPr/>
-            <p:nvPr/>
-          </p:nvSpPr>
-          <p:spPr>
-            <a:xfrm>
-              <a:off x="6810407" y="1369751"/>
-              <a:ext cx="0" cy="3748967"/>
+            <p:cNvPr id="28" name="pl28"/>
+            <p:cNvSpPr/>
+            <p:nvPr/>
+          </p:nvSpPr>
+          <p:spPr>
+            <a:xfrm>
+              <a:off x="3632574" y="4362787"/>
+              <a:ext cx="53550" cy="0"/>
             </a:xfrm>
             <a:custGeom>
               <a:avLst/>
@@ -10675,22 +10777,19 @@
               <a:cxnLst/>
               <a:rect l="0" t="0" r="0" b="0"/>
               <a:pathLst>
-                <a:path h="3748967">
+                <a:path w="32074">
                   <a:moveTo>
-                    <a:pt x="0" y="3748967"/>
+                    <a:pt x="0" y="0"/>
                   </a:moveTo>
                   <a:lnTo>
-                    <a:pt x="0" y="0"/>
-                  </a:lnTo>
-                  <a:lnTo>
-                    <a:pt x="0" y="0"/>
+                    <a:pt x="32074" y="0"/>
                   </a:lnTo>
                 </a:path>
               </a:pathLst>
             </a:custGeom>
             <a:ln w="13550" cap="flat">
               <a:solidFill>
-                <a:srgbClr val="FFFFFF">
+                <a:srgbClr val="F8766D">
                   <a:alpha val="100000"/>
                 </a:srgbClr>
               </a:solidFill>
@@ -10738,14 +10837,14 @@
         </p:sp>
         <p:sp>
           <p:nvSpPr>
-            <p:cNvPr id="26" name="pl26"/>
-            <p:cNvSpPr/>
-            <p:nvPr/>
-          </p:nvSpPr>
-          <p:spPr>
-            <a:xfrm>
-              <a:off x="4549168" y="3334215"/>
-              <a:ext cx="32074" cy="0"/>
+            <p:cNvPr id="29" name="pl29"/>
+            <p:cNvSpPr/>
+            <p:nvPr/>
+          </p:nvSpPr>
+          <p:spPr>
+            <a:xfrm>
+              <a:off x="3097072" y="3854664"/>
+              <a:ext cx="53550" cy="0"/>
             </a:xfrm>
             <a:custGeom>
               <a:avLst/>
@@ -10814,14 +10913,14 @@
         </p:sp>
         <p:sp>
           <p:nvSpPr>
-            <p:cNvPr id="27" name="pl27"/>
-            <p:cNvSpPr/>
-            <p:nvPr/>
-          </p:nvSpPr>
-          <p:spPr>
-            <a:xfrm>
-              <a:off x="4565205" y="3334215"/>
-              <a:ext cx="0" cy="804802"/>
+            <p:cNvPr id="30" name="pl30"/>
+            <p:cNvSpPr/>
+            <p:nvPr/>
+          </p:nvSpPr>
+          <p:spPr>
+            <a:xfrm>
+              <a:off x="3123847" y="3854664"/>
+              <a:ext cx="0" cy="549791"/>
             </a:xfrm>
             <a:custGeom>
               <a:avLst/>
@@ -10830,12 +10929,12 @@
               <a:cxnLst/>
               <a:rect l="0" t="0" r="0" b="0"/>
               <a:pathLst>
-                <a:path h="804802">
+                <a:path h="389186">
                   <a:moveTo>
                     <a:pt x="0" y="0"/>
                   </a:moveTo>
                   <a:lnTo>
-                    <a:pt x="0" y="804802"/>
+                    <a:pt x="0" y="389186"/>
                   </a:lnTo>
                 </a:path>
               </a:pathLst>
@@ -10890,14 +10989,14 @@
         </p:sp>
         <p:sp>
           <p:nvSpPr>
-            <p:cNvPr id="28" name="pl28"/>
-            <p:cNvSpPr/>
-            <p:nvPr/>
-          </p:nvSpPr>
-          <p:spPr>
-            <a:xfrm>
-              <a:off x="4549168" y="4139018"/>
-              <a:ext cx="32074" cy="0"/>
+            <p:cNvPr id="31" name="pl31"/>
+            <p:cNvSpPr/>
+            <p:nvPr/>
+          </p:nvSpPr>
+          <p:spPr>
+            <a:xfrm>
+              <a:off x="3097072" y="4404455"/>
+              <a:ext cx="53550" cy="0"/>
             </a:xfrm>
             <a:custGeom>
               <a:avLst/>
@@ -10966,14 +11065,14 @@
         </p:sp>
         <p:sp>
           <p:nvSpPr>
-            <p:cNvPr id="29" name="pl29"/>
-            <p:cNvSpPr/>
-            <p:nvPr/>
-          </p:nvSpPr>
-          <p:spPr>
-            <a:xfrm>
-              <a:off x="4228425" y="3779328"/>
-              <a:ext cx="32074" cy="0"/>
+            <p:cNvPr id="32" name="pl32"/>
+            <p:cNvSpPr/>
+            <p:nvPr/>
+          </p:nvSpPr>
+          <p:spPr>
+            <a:xfrm>
+              <a:off x="4168075" y="4280058"/>
+              <a:ext cx="53550" cy="0"/>
             </a:xfrm>
             <a:custGeom>
               <a:avLst/>
@@ -11042,14 +11141,14 @@
         </p:sp>
         <p:sp>
           <p:nvSpPr>
-            <p:cNvPr id="30" name="pl30"/>
-            <p:cNvSpPr/>
-            <p:nvPr/>
-          </p:nvSpPr>
-          <p:spPr>
-            <a:xfrm>
-              <a:off x="4244462" y="3779328"/>
-              <a:ext cx="0" cy="389186"/>
+            <p:cNvPr id="33" name="pl33"/>
+            <p:cNvSpPr/>
+            <p:nvPr/>
+          </p:nvSpPr>
+          <p:spPr>
+            <a:xfrm>
+              <a:off x="4194852" y="4280058"/>
+              <a:ext cx="0" cy="65116"/>
             </a:xfrm>
             <a:custGeom>
               <a:avLst/>
@@ -11058,12 +11157,12 @@
               <a:cxnLst/>
               <a:rect l="0" t="0" r="0" b="0"/>
               <a:pathLst>
-                <a:path h="389186">
+                <a:path h="46094">
                   <a:moveTo>
                     <a:pt x="0" y="0"/>
                   </a:moveTo>
                   <a:lnTo>
-                    <a:pt x="0" y="389186"/>
+                    <a:pt x="0" y="46094"/>
                   </a:lnTo>
                 </a:path>
               </a:pathLst>
@@ -11118,14 +11217,14 @@
         </p:sp>
         <p:sp>
           <p:nvSpPr>
-            <p:cNvPr id="31" name="pl31"/>
-            <p:cNvSpPr/>
-            <p:nvPr/>
-          </p:nvSpPr>
-          <p:spPr>
-            <a:xfrm>
-              <a:off x="4228425" y="4168514"/>
-              <a:ext cx="32074" cy="0"/>
+            <p:cNvPr id="34" name="pl34"/>
+            <p:cNvSpPr/>
+            <p:nvPr/>
+          </p:nvSpPr>
+          <p:spPr>
+            <a:xfrm>
+              <a:off x="4168075" y="4345174"/>
+              <a:ext cx="53550" cy="0"/>
             </a:xfrm>
             <a:custGeom>
               <a:avLst/>
@@ -11194,14 +11293,14 @@
         </p:sp>
         <p:sp>
           <p:nvSpPr>
-            <p:cNvPr id="32" name="pl32"/>
-            <p:cNvSpPr/>
-            <p:nvPr/>
-          </p:nvSpPr>
-          <p:spPr>
-            <a:xfrm>
-              <a:off x="4869911" y="4080456"/>
-              <a:ext cx="32074" cy="0"/>
+            <p:cNvPr id="35" name="pl35"/>
+            <p:cNvSpPr/>
+            <p:nvPr/>
+          </p:nvSpPr>
+          <p:spPr>
+            <a:xfrm>
+              <a:off x="5239080" y="691461"/>
+              <a:ext cx="53550" cy="0"/>
             </a:xfrm>
             <a:custGeom>
               <a:avLst/>
@@ -11270,14 +11369,14 @@
         </p:sp>
         <p:sp>
           <p:nvSpPr>
-            <p:cNvPr id="33" name="pl33"/>
-            <p:cNvSpPr/>
-            <p:nvPr/>
-          </p:nvSpPr>
-          <p:spPr>
-            <a:xfrm>
-              <a:off x="4885949" y="4080456"/>
-              <a:ext cx="0" cy="46094"/>
+            <p:cNvPr id="36" name="pl36"/>
+            <p:cNvSpPr/>
+            <p:nvPr/>
+          </p:nvSpPr>
+          <p:spPr>
+            <a:xfrm>
+              <a:off x="5265855" y="691461"/>
+              <a:ext cx="0" cy="3519457"/>
             </a:xfrm>
             <a:custGeom>
               <a:avLst/>
@@ -11286,12 +11385,12 @@
               <a:cxnLst/>
               <a:rect l="0" t="0" r="0" b="0"/>
               <a:pathLst>
-                <a:path h="46094">
+                <a:path h="2491354">
                   <a:moveTo>
                     <a:pt x="0" y="0"/>
                   </a:moveTo>
                   <a:lnTo>
-                    <a:pt x="0" y="46094"/>
+                    <a:pt x="0" y="2491354"/>
                   </a:lnTo>
                 </a:path>
               </a:pathLst>
@@ -11346,14 +11445,14 @@
         </p:sp>
         <p:sp>
           <p:nvSpPr>
-            <p:cNvPr id="34" name="pl34"/>
-            <p:cNvSpPr/>
-            <p:nvPr/>
-          </p:nvSpPr>
-          <p:spPr>
-            <a:xfrm>
-              <a:off x="4869911" y="4126550"/>
-              <a:ext cx="32074" cy="0"/>
+            <p:cNvPr id="37" name="pl37"/>
+            <p:cNvSpPr/>
+            <p:nvPr/>
+          </p:nvSpPr>
+          <p:spPr>
+            <a:xfrm>
+              <a:off x="5239080" y="4210918"/>
+              <a:ext cx="53550" cy="0"/>
             </a:xfrm>
             <a:custGeom>
               <a:avLst/>
@@ -11422,14 +11521,14 @@
         </p:sp>
         <p:sp>
           <p:nvSpPr>
-            <p:cNvPr id="35" name="pl35"/>
-            <p:cNvSpPr/>
-            <p:nvPr/>
-          </p:nvSpPr>
-          <p:spPr>
-            <a:xfrm>
-              <a:off x="5511398" y="1540159"/>
-              <a:ext cx="32074" cy="0"/>
+            <p:cNvPr id="38" name="pl38"/>
+            <p:cNvSpPr/>
+            <p:nvPr/>
+          </p:nvSpPr>
+          <p:spPr>
+            <a:xfrm>
+              <a:off x="4703578" y="3701981"/>
+              <a:ext cx="53550" cy="0"/>
             </a:xfrm>
             <a:custGeom>
               <a:avLst/>
@@ -11498,14 +11597,14 @@
         </p:sp>
         <p:sp>
           <p:nvSpPr>
-            <p:cNvPr id="36" name="pl36"/>
-            <p:cNvSpPr/>
-            <p:nvPr/>
-          </p:nvSpPr>
-          <p:spPr>
-            <a:xfrm>
-              <a:off x="5527435" y="1540159"/>
-              <a:ext cx="0" cy="2491354"/>
+            <p:cNvPr id="39" name="pl39"/>
+            <p:cNvSpPr/>
+            <p:nvPr/>
+          </p:nvSpPr>
+          <p:spPr>
+            <a:xfrm>
+              <a:off x="4730353" y="3701981"/>
+              <a:ext cx="0" cy="1287187"/>
             </a:xfrm>
             <a:custGeom>
               <a:avLst/>
@@ -11514,12 +11613,12 @@
               <a:cxnLst/>
               <a:rect l="0" t="0" r="0" b="0"/>
               <a:pathLst>
-                <a:path h="2491354">
+                <a:path h="911174">
                   <a:moveTo>
                     <a:pt x="0" y="0"/>
                   </a:moveTo>
                   <a:lnTo>
-                    <a:pt x="0" y="2491354"/>
+                    <a:pt x="0" y="911174"/>
                   </a:lnTo>
                 </a:path>
               </a:pathLst>
@@ -11574,14 +11673,14 @@
         </p:sp>
         <p:sp>
           <p:nvSpPr>
-            <p:cNvPr id="37" name="pl37"/>
-            <p:cNvSpPr/>
-            <p:nvPr/>
-          </p:nvSpPr>
-          <p:spPr>
-            <a:xfrm>
-              <a:off x="5511398" y="4031513"/>
-              <a:ext cx="32074" cy="0"/>
+            <p:cNvPr id="40" name="pl40"/>
+            <p:cNvSpPr/>
+            <p:nvPr/>
+          </p:nvSpPr>
+          <p:spPr>
+            <a:xfrm>
+              <a:off x="4703578" y="4989168"/>
+              <a:ext cx="53550" cy="0"/>
             </a:xfrm>
             <a:custGeom>
               <a:avLst/>
@@ -11650,14 +11749,14 @@
         </p:sp>
         <p:sp>
           <p:nvSpPr>
-            <p:cNvPr id="38" name="pl38"/>
-            <p:cNvSpPr/>
-            <p:nvPr/>
-          </p:nvSpPr>
-          <p:spPr>
-            <a:xfrm>
-              <a:off x="5190655" y="3671247"/>
-              <a:ext cx="32074" cy="0"/>
+            <p:cNvPr id="41" name="pl41"/>
+            <p:cNvSpPr/>
+            <p:nvPr/>
+          </p:nvSpPr>
+          <p:spPr>
+            <a:xfrm>
+              <a:off x="5774581" y="4102630"/>
+              <a:ext cx="53550" cy="0"/>
             </a:xfrm>
             <a:custGeom>
               <a:avLst/>
@@ -11726,14 +11825,14 @@
         </p:sp>
         <p:sp>
           <p:nvSpPr>
-            <p:cNvPr id="39" name="pl39"/>
-            <p:cNvSpPr/>
-            <p:nvPr/>
-          </p:nvSpPr>
-          <p:spPr>
-            <a:xfrm>
-              <a:off x="5206692" y="3671247"/>
-              <a:ext cx="0" cy="911174"/>
+            <p:cNvPr id="42" name="pl42"/>
+            <p:cNvSpPr/>
+            <p:nvPr/>
+          </p:nvSpPr>
+          <p:spPr>
+            <a:xfrm>
+              <a:off x="5801356" y="4102630"/>
+              <a:ext cx="0" cy="352531"/>
             </a:xfrm>
             <a:custGeom>
               <a:avLst/>
@@ -11742,12 +11841,12 @@
               <a:cxnLst/>
               <a:rect l="0" t="0" r="0" b="0"/>
               <a:pathLst>
-                <a:path h="911174">
+                <a:path h="249550">
                   <a:moveTo>
                     <a:pt x="0" y="0"/>
                   </a:moveTo>
                   <a:lnTo>
-                    <a:pt x="0" y="911174"/>
+                    <a:pt x="0" y="249550"/>
                   </a:lnTo>
                 </a:path>
               </a:pathLst>
@@ -11802,14 +11901,14 @@
         </p:sp>
         <p:sp>
           <p:nvSpPr>
-            <p:cNvPr id="40" name="pl40"/>
-            <p:cNvSpPr/>
-            <p:nvPr/>
-          </p:nvSpPr>
-          <p:spPr>
-            <a:xfrm>
-              <a:off x="5190655" y="4582421"/>
-              <a:ext cx="32074" cy="0"/>
+            <p:cNvPr id="43" name="pl43"/>
+            <p:cNvSpPr/>
+            <p:nvPr/>
+          </p:nvSpPr>
+          <p:spPr>
+            <a:xfrm>
+              <a:off x="5774581" y="4455161"/>
+              <a:ext cx="53550" cy="0"/>
             </a:xfrm>
             <a:custGeom>
               <a:avLst/>
@@ -11878,14 +11977,14 @@
         </p:sp>
         <p:sp>
           <p:nvSpPr>
-            <p:cNvPr id="41" name="pl41"/>
-            <p:cNvSpPr/>
-            <p:nvPr/>
-          </p:nvSpPr>
-          <p:spPr>
-            <a:xfrm>
-              <a:off x="5832141" y="3954858"/>
-              <a:ext cx="32074" cy="0"/>
+            <p:cNvPr id="44" name="pl44"/>
+            <p:cNvSpPr/>
+            <p:nvPr/>
+          </p:nvSpPr>
+          <p:spPr>
+            <a:xfrm>
+              <a:off x="6845584" y="2532524"/>
+              <a:ext cx="53550" cy="0"/>
             </a:xfrm>
             <a:custGeom>
               <a:avLst/>
@@ -11954,14 +12053,14 @@
         </p:sp>
         <p:sp>
           <p:nvSpPr>
-            <p:cNvPr id="42" name="pl42"/>
-            <p:cNvSpPr/>
-            <p:nvPr/>
-          </p:nvSpPr>
-          <p:spPr>
-            <a:xfrm>
-              <a:off x="5848178" y="3954858"/>
-              <a:ext cx="0" cy="249550"/>
+            <p:cNvPr id="45" name="pl45"/>
+            <p:cNvSpPr/>
+            <p:nvPr/>
+          </p:nvSpPr>
+          <p:spPr>
+            <a:xfrm>
+              <a:off x="6872359" y="2532524"/>
+              <a:ext cx="0" cy="2973525"/>
             </a:xfrm>
             <a:custGeom>
               <a:avLst/>
@@ -11970,12 +12069,12 @@
               <a:cxnLst/>
               <a:rect l="0" t="0" r="0" b="0"/>
               <a:pathLst>
-                <a:path h="249550">
+                <a:path h="2104900">
                   <a:moveTo>
                     <a:pt x="0" y="0"/>
                   </a:moveTo>
                   <a:lnTo>
-                    <a:pt x="0" y="249550"/>
+                    <a:pt x="0" y="2104900"/>
                   </a:lnTo>
                 </a:path>
               </a:pathLst>
@@ -12030,14 +12129,14 @@
         </p:sp>
         <p:sp>
           <p:nvSpPr>
-            <p:cNvPr id="43" name="pl43"/>
-            <p:cNvSpPr/>
-            <p:nvPr/>
-          </p:nvSpPr>
-          <p:spPr>
-            <a:xfrm>
-              <a:off x="5832141" y="4204408"/>
-              <a:ext cx="32074" cy="0"/>
+            <p:cNvPr id="46" name="pl46"/>
+            <p:cNvSpPr/>
+            <p:nvPr/>
+          </p:nvSpPr>
+          <p:spPr>
+            <a:xfrm>
+              <a:off x="6845584" y="5506049"/>
+              <a:ext cx="53550" cy="0"/>
             </a:xfrm>
             <a:custGeom>
               <a:avLst/>
@@ -12106,14 +12205,14 @@
         </p:sp>
         <p:sp>
           <p:nvSpPr>
-            <p:cNvPr id="44" name="pl44"/>
-            <p:cNvSpPr/>
-            <p:nvPr/>
-          </p:nvSpPr>
-          <p:spPr>
-            <a:xfrm>
-              <a:off x="6473627" y="2843411"/>
-              <a:ext cx="32074" cy="0"/>
+            <p:cNvPr id="47" name="pl47"/>
+            <p:cNvSpPr/>
+            <p:nvPr/>
+          </p:nvSpPr>
+          <p:spPr>
+            <a:xfrm>
+              <a:off x="6310083" y="2457159"/>
+              <a:ext cx="53550" cy="0"/>
             </a:xfrm>
             <a:custGeom>
               <a:avLst/>
@@ -12182,14 +12281,14 @@
         </p:sp>
         <p:sp>
           <p:nvSpPr>
-            <p:cNvPr id="45" name="pl45"/>
-            <p:cNvSpPr/>
-            <p:nvPr/>
-          </p:nvSpPr>
-          <p:spPr>
-            <a:xfrm>
-              <a:off x="6489664" y="2843411"/>
-              <a:ext cx="0" cy="2104900"/>
+            <p:cNvPr id="48" name="pl48"/>
+            <p:cNvSpPr/>
+            <p:nvPr/>
+          </p:nvSpPr>
+          <p:spPr>
+            <a:xfrm>
+              <a:off x="6336858" y="2457159"/>
+              <a:ext cx="0" cy="2089263"/>
             </a:xfrm>
             <a:custGeom>
               <a:avLst/>
@@ -12198,12 +12297,12 @@
               <a:cxnLst/>
               <a:rect l="0" t="0" r="0" b="0"/>
               <a:pathLst>
-                <a:path h="2104900">
+                <a:path h="1478948">
                   <a:moveTo>
                     <a:pt x="0" y="0"/>
                   </a:moveTo>
                   <a:lnTo>
-                    <a:pt x="0" y="2104900"/>
+                    <a:pt x="0" y="1478948"/>
                   </a:lnTo>
                 </a:path>
               </a:pathLst>
@@ -12258,14 +12357,14 @@
         </p:sp>
         <p:sp>
           <p:nvSpPr>
-            <p:cNvPr id="46" name="pl46"/>
-            <p:cNvSpPr/>
-            <p:nvPr/>
-          </p:nvSpPr>
-          <p:spPr>
-            <a:xfrm>
-              <a:off x="6473627" y="4948311"/>
-              <a:ext cx="32074" cy="0"/>
+            <p:cNvPr id="49" name="pl49"/>
+            <p:cNvSpPr/>
+            <p:nvPr/>
+          </p:nvSpPr>
+          <p:spPr>
+            <a:xfrm>
+              <a:off x="6310083" y="4546424"/>
+              <a:ext cx="53550" cy="0"/>
             </a:xfrm>
             <a:custGeom>
               <a:avLst/>
@@ -12334,14 +12433,14 @@
         </p:sp>
         <p:sp>
           <p:nvSpPr>
-            <p:cNvPr id="47" name="pl47"/>
-            <p:cNvSpPr/>
-            <p:nvPr/>
-          </p:nvSpPr>
-          <p:spPr>
-            <a:xfrm>
-              <a:off x="6152884" y="2790062"/>
-              <a:ext cx="32074" cy="0"/>
+            <p:cNvPr id="50" name="pl50"/>
+            <p:cNvSpPr/>
+            <p:nvPr/>
+          </p:nvSpPr>
+          <p:spPr>
+            <a:xfrm>
+              <a:off x="7381086" y="4243610"/>
+              <a:ext cx="53550" cy="0"/>
             </a:xfrm>
             <a:custGeom>
               <a:avLst/>
@@ -12410,14 +12509,14 @@
         </p:sp>
         <p:sp>
           <p:nvSpPr>
-            <p:cNvPr id="48" name="pl48"/>
-            <p:cNvSpPr/>
-            <p:nvPr/>
-          </p:nvSpPr>
-          <p:spPr>
-            <a:xfrm>
-              <a:off x="6168921" y="2790062"/>
-              <a:ext cx="0" cy="1478948"/>
+            <p:cNvPr id="51" name="pl51"/>
+            <p:cNvSpPr/>
+            <p:nvPr/>
+          </p:nvSpPr>
+          <p:spPr>
+            <a:xfrm>
+              <a:off x="7407861" y="4243610"/>
+              <a:ext cx="0" cy="409455"/>
             </a:xfrm>
             <a:custGeom>
               <a:avLst/>
@@ -12426,12 +12525,12 @@
               <a:cxnLst/>
               <a:rect l="0" t="0" r="0" b="0"/>
               <a:pathLst>
-                <a:path h="1478948">
+                <a:path h="289845">
                   <a:moveTo>
                     <a:pt x="0" y="0"/>
                   </a:moveTo>
                   <a:lnTo>
-                    <a:pt x="0" y="1478948"/>
+                    <a:pt x="0" y="289845"/>
                   </a:lnTo>
                 </a:path>
               </a:pathLst>
@@ -12486,14 +12585,14 @@
         </p:sp>
         <p:sp>
           <p:nvSpPr>
-            <p:cNvPr id="49" name="pl49"/>
-            <p:cNvSpPr/>
-            <p:nvPr/>
-          </p:nvSpPr>
-          <p:spPr>
-            <a:xfrm>
-              <a:off x="6152884" y="4269011"/>
-              <a:ext cx="32074" cy="0"/>
+            <p:cNvPr id="52" name="pl52"/>
+            <p:cNvSpPr/>
+            <p:nvPr/>
+          </p:nvSpPr>
+          <p:spPr>
+            <a:xfrm>
+              <a:off x="7381086" y="4653066"/>
+              <a:ext cx="53550" cy="0"/>
             </a:xfrm>
             <a:custGeom>
               <a:avLst/>
@@ -12562,14 +12661,14 @@
         </p:sp>
         <p:sp>
           <p:nvSpPr>
-            <p:cNvPr id="50" name="pl50"/>
-            <p:cNvSpPr/>
-            <p:nvPr/>
-          </p:nvSpPr>
-          <p:spPr>
-            <a:xfrm>
-              <a:off x="6794370" y="4054655"/>
-              <a:ext cx="32074" cy="0"/>
+            <p:cNvPr id="53" name="pl53"/>
+            <p:cNvSpPr/>
+            <p:nvPr/>
+          </p:nvSpPr>
+          <p:spPr>
+            <a:xfrm>
+              <a:off x="1490568" y="1362706"/>
+              <a:ext cx="53550" cy="0"/>
             </a:xfrm>
             <a:custGeom>
               <a:avLst/>
@@ -12638,14 +12737,14 @@
         </p:sp>
         <p:sp>
           <p:nvSpPr>
-            <p:cNvPr id="51" name="pl51"/>
-            <p:cNvSpPr/>
-            <p:nvPr/>
-          </p:nvSpPr>
-          <p:spPr>
-            <a:xfrm>
-              <a:off x="6810407" y="4054655"/>
-              <a:ext cx="0" cy="289845"/>
+            <p:cNvPr id="54" name="pl54"/>
+            <p:cNvSpPr/>
+            <p:nvPr/>
+          </p:nvSpPr>
+          <p:spPr>
+            <a:xfrm>
+              <a:off x="1517343" y="1362706"/>
+              <a:ext cx="0" cy="2408488"/>
             </a:xfrm>
             <a:custGeom>
               <a:avLst/>
@@ -12654,12 +12753,12 @@
               <a:cxnLst/>
               <a:rect l="0" t="0" r="0" b="0"/>
               <a:pathLst>
-                <a:path h="289845">
+                <a:path h="1704921">
                   <a:moveTo>
                     <a:pt x="0" y="0"/>
                   </a:moveTo>
                   <a:lnTo>
-                    <a:pt x="0" y="289845"/>
+                    <a:pt x="0" y="1704921"/>
                   </a:lnTo>
                 </a:path>
               </a:pathLst>
@@ -12714,14 +12813,14 @@
         </p:sp>
         <p:sp>
           <p:nvSpPr>
-            <p:cNvPr id="52" name="pl52"/>
-            <p:cNvSpPr/>
-            <p:nvPr/>
-          </p:nvSpPr>
-          <p:spPr>
-            <a:xfrm>
-              <a:off x="6794370" y="4344501"/>
-              <a:ext cx="32074" cy="0"/>
+            <p:cNvPr id="55" name="pl55"/>
+            <p:cNvSpPr/>
+            <p:nvPr/>
+          </p:nvSpPr>
+          <p:spPr>
+            <a:xfrm>
+              <a:off x="1490568" y="3771194"/>
+              <a:ext cx="53550" cy="0"/>
             </a:xfrm>
             <a:custGeom>
               <a:avLst/>
@@ -12790,14 +12889,14 @@
         </p:sp>
         <p:sp>
           <p:nvSpPr>
-            <p:cNvPr id="53" name="pl53"/>
-            <p:cNvSpPr/>
-            <p:nvPr/>
-          </p:nvSpPr>
-          <p:spPr>
-            <a:xfrm>
-              <a:off x="3266196" y="2015320"/>
-              <a:ext cx="32074" cy="0"/>
+            <p:cNvPr id="56" name="pl56"/>
+            <p:cNvSpPr/>
+            <p:nvPr/>
+          </p:nvSpPr>
+          <p:spPr>
+            <a:xfrm>
+              <a:off x="2026069" y="1432914"/>
+              <a:ext cx="53550" cy="0"/>
             </a:xfrm>
             <a:custGeom>
               <a:avLst/>
@@ -12866,14 +12965,14 @@
         </p:sp>
         <p:sp>
           <p:nvSpPr>
-            <p:cNvPr id="54" name="pl54"/>
-            <p:cNvSpPr/>
-            <p:nvPr/>
-          </p:nvSpPr>
-          <p:spPr>
-            <a:xfrm>
-              <a:off x="3282233" y="2015320"/>
-              <a:ext cx="0" cy="1704921"/>
+            <p:cNvPr id="57" name="pl57"/>
+            <p:cNvSpPr/>
+            <p:nvPr/>
+          </p:nvSpPr>
+          <p:spPr>
+            <a:xfrm>
+              <a:off x="2052844" y="1432914"/>
+              <a:ext cx="0" cy="2399478"/>
             </a:xfrm>
             <a:custGeom>
               <a:avLst/>
@@ -12882,12 +12981,12 @@
               <a:cxnLst/>
               <a:rect l="0" t="0" r="0" b="0"/>
               <a:pathLst>
-                <a:path h="1704921">
+                <a:path h="1698543">
                   <a:moveTo>
                     <a:pt x="0" y="0"/>
                   </a:moveTo>
                   <a:lnTo>
-                    <a:pt x="0" y="1704921"/>
+                    <a:pt x="0" y="1698543"/>
                   </a:lnTo>
                 </a:path>
               </a:pathLst>
@@ -12942,14 +13041,14 @@
         </p:sp>
         <p:sp>
           <p:nvSpPr>
-            <p:cNvPr id="55" name="pl55"/>
-            <p:cNvSpPr/>
-            <p:nvPr/>
-          </p:nvSpPr>
-          <p:spPr>
-            <a:xfrm>
-              <a:off x="3266196" y="3720241"/>
-              <a:ext cx="32074" cy="0"/>
+            <p:cNvPr id="58" name="pl58"/>
+            <p:cNvSpPr/>
+            <p:nvPr/>
+          </p:nvSpPr>
+          <p:spPr>
+            <a:xfrm>
+              <a:off x="2026069" y="3832393"/>
+              <a:ext cx="53550" cy="0"/>
             </a:xfrm>
             <a:custGeom>
               <a:avLst/>
@@ -13018,14 +13117,14 @@
         </p:sp>
         <p:sp>
           <p:nvSpPr>
-            <p:cNvPr id="56" name="pl56"/>
-            <p:cNvSpPr/>
-            <p:nvPr/>
-          </p:nvSpPr>
-          <p:spPr>
-            <a:xfrm>
-              <a:off x="3586939" y="2065019"/>
-              <a:ext cx="32074" cy="0"/>
+            <p:cNvPr id="59" name="pl59"/>
+            <p:cNvSpPr/>
+            <p:nvPr/>
+          </p:nvSpPr>
+          <p:spPr>
+            <a:xfrm>
+              <a:off x="2561571" y="1478235"/>
+              <a:ext cx="53550" cy="0"/>
             </a:xfrm>
             <a:custGeom>
               <a:avLst/>
@@ -13094,14 +13193,14 @@
         </p:sp>
         <p:sp>
           <p:nvSpPr>
-            <p:cNvPr id="57" name="pl57"/>
-            <p:cNvSpPr/>
-            <p:nvPr/>
-          </p:nvSpPr>
-          <p:spPr>
-            <a:xfrm>
-              <a:off x="3602976" y="2065019"/>
-              <a:ext cx="0" cy="1698543"/>
+            <p:cNvPr id="60" name="pl60"/>
+            <p:cNvSpPr/>
+            <p:nvPr/>
+          </p:nvSpPr>
+          <p:spPr>
+            <a:xfrm>
+              <a:off x="2588346" y="1478235"/>
+              <a:ext cx="0" cy="3699504"/>
             </a:xfrm>
             <a:custGeom>
               <a:avLst/>
@@ -13110,12 +13209,12 @@
               <a:cxnLst/>
               <a:rect l="0" t="0" r="0" b="0"/>
               <a:pathLst>
-                <a:path h="1698543">
+                <a:path h="2618806">
                   <a:moveTo>
                     <a:pt x="0" y="0"/>
                   </a:moveTo>
                   <a:lnTo>
-                    <a:pt x="0" y="1698543"/>
+                    <a:pt x="0" y="2618806"/>
                   </a:lnTo>
                 </a:path>
               </a:pathLst>
@@ -13170,14 +13269,14 @@
         </p:sp>
         <p:sp>
           <p:nvSpPr>
-            <p:cNvPr id="58" name="pl58"/>
-            <p:cNvSpPr/>
-            <p:nvPr/>
-          </p:nvSpPr>
-          <p:spPr>
-            <a:xfrm>
-              <a:off x="3586939" y="3763563"/>
-              <a:ext cx="32074" cy="0"/>
+            <p:cNvPr id="61" name="pl61"/>
+            <p:cNvSpPr/>
+            <p:nvPr/>
+          </p:nvSpPr>
+          <p:spPr>
+            <a:xfrm>
+              <a:off x="2561571" y="5177741"/>
+              <a:ext cx="53550" cy="0"/>
             </a:xfrm>
             <a:custGeom>
               <a:avLst/>
@@ -13246,33 +13345,24 @@
         </p:sp>
         <p:sp>
           <p:nvSpPr>
-            <p:cNvPr id="59" name="pl59"/>
-            <p:cNvSpPr/>
-            <p:nvPr/>
-          </p:nvSpPr>
-          <p:spPr>
-            <a:xfrm>
-              <a:off x="3907682" y="2097101"/>
-              <a:ext cx="32074" cy="0"/>
-            </a:xfrm>
-            <a:custGeom>
-              <a:avLst/>
-              <a:gdLst/>
-              <a:ahLst/>
-              <a:cxnLst/>
-              <a:rect l="0" t="0" r="0" b="0"/>
-              <a:pathLst>
-                <a:path w="32074">
-                  <a:moveTo>
-                    <a:pt x="0" y="0"/>
-                  </a:moveTo>
-                  <a:lnTo>
-                    <a:pt x="32074" y="0"/>
-                  </a:lnTo>
-                </a:path>
-              </a:pathLst>
-            </a:custGeom>
-            <a:ln w="13550" cap="flat">
+            <p:cNvPr id="62" name="pt62"/>
+            <p:cNvSpPr/>
+            <p:nvPr/>
+          </p:nvSpPr>
+          <p:spPr>
+            <a:xfrm>
+              <a:off x="3617900" y="3752150"/>
+              <a:ext cx="82896" cy="70140"/>
+            </a:xfrm>
+            <a:prstGeom prst="ellipse">
+              <a:avLst/>
+            </a:prstGeom>
+            <a:solidFill>
+              <a:srgbClr val="F8766D">
+                <a:alpha val="100000"/>
+              </a:srgbClr>
+            </a:solidFill>
+            <a:ln w="9000" cap="rnd">
               <a:solidFill>
                 <a:srgbClr val="F8766D">
                   <a:alpha val="100000"/>
@@ -13322,33 +13412,24 @@
         </p:sp>
         <p:sp>
           <p:nvSpPr>
-            <p:cNvPr id="60" name="pl60"/>
-            <p:cNvSpPr/>
-            <p:nvPr/>
-          </p:nvSpPr>
-          <p:spPr>
-            <a:xfrm>
-              <a:off x="3923719" y="2097101"/>
-              <a:ext cx="0" cy="2618806"/>
-            </a:xfrm>
-            <a:custGeom>
-              <a:avLst/>
-              <a:gdLst/>
-              <a:ahLst/>
-              <a:cxnLst/>
-              <a:rect l="0" t="0" r="0" b="0"/>
-              <a:pathLst>
-                <a:path h="2618806">
-                  <a:moveTo>
-                    <a:pt x="0" y="0"/>
-                  </a:moveTo>
-                  <a:lnTo>
-                    <a:pt x="0" y="2618806"/>
-                  </a:lnTo>
-                </a:path>
-              </a:pathLst>
-            </a:custGeom>
-            <a:ln w="13550" cap="flat">
+            <p:cNvPr id="63" name="pt63"/>
+            <p:cNvSpPr/>
+            <p:nvPr/>
+          </p:nvSpPr>
+          <p:spPr>
+            <a:xfrm>
+              <a:off x="3082399" y="4092521"/>
+              <a:ext cx="82896" cy="70140"/>
+            </a:xfrm>
+            <a:prstGeom prst="ellipse">
+              <a:avLst/>
+            </a:prstGeom>
+            <a:solidFill>
+              <a:srgbClr val="F8766D">
+                <a:alpha val="100000"/>
+              </a:srgbClr>
+            </a:solidFill>
+            <a:ln w="9000" cap="rnd">
               <a:solidFill>
                 <a:srgbClr val="F8766D">
                   <a:alpha val="100000"/>
@@ -13398,33 +13479,24 @@
         </p:sp>
         <p:sp>
           <p:nvSpPr>
-            <p:cNvPr id="61" name="pl61"/>
-            <p:cNvSpPr/>
-            <p:nvPr/>
-          </p:nvSpPr>
-          <p:spPr>
-            <a:xfrm>
-              <a:off x="3907682" y="4715908"/>
-              <a:ext cx="32074" cy="0"/>
-            </a:xfrm>
-            <a:custGeom>
-              <a:avLst/>
-              <a:gdLst/>
-              <a:ahLst/>
-              <a:cxnLst/>
-              <a:rect l="0" t="0" r="0" b="0"/>
-              <a:pathLst>
-                <a:path w="32074">
-                  <a:moveTo>
-                    <a:pt x="0" y="0"/>
-                  </a:moveTo>
-                  <a:lnTo>
-                    <a:pt x="32074" y="0"/>
-                  </a:lnTo>
-                </a:path>
-              </a:pathLst>
-            </a:custGeom>
-            <a:ln w="13550" cap="flat">
+            <p:cNvPr id="64" name="pt64"/>
+            <p:cNvSpPr/>
+            <p:nvPr/>
+          </p:nvSpPr>
+          <p:spPr>
+            <a:xfrm>
+              <a:off x="4153403" y="4277778"/>
+              <a:ext cx="82896" cy="70140"/>
+            </a:xfrm>
+            <a:prstGeom prst="ellipse">
+              <a:avLst/>
+            </a:prstGeom>
+            <a:solidFill>
+              <a:srgbClr val="F8766D">
+                <a:alpha val="100000"/>
+              </a:srgbClr>
+            </a:solidFill>
+            <a:ln w="9000" cap="rnd">
               <a:solidFill>
                 <a:srgbClr val="F8766D">
                   <a:alpha val="100000"/>
@@ -13474,14 +13546,14 @@
         </p:sp>
         <p:sp>
           <p:nvSpPr>
-            <p:cNvPr id="62" name="pt62"/>
-            <p:cNvSpPr/>
-            <p:nvPr/>
-          </p:nvSpPr>
-          <p:spPr>
-            <a:xfrm>
-              <a:off x="4540379" y="3706760"/>
-              <a:ext cx="49651" cy="49651"/>
+            <p:cNvPr id="65" name="pt65"/>
+            <p:cNvSpPr/>
+            <p:nvPr/>
+          </p:nvSpPr>
+          <p:spPr>
+            <a:xfrm>
+              <a:off x="5224406" y="2416994"/>
+              <a:ext cx="82896" cy="70140"/>
             </a:xfrm>
             <a:prstGeom prst="ellipse">
               <a:avLst/>
@@ -13541,14 +13613,14 @@
         </p:sp>
         <p:sp>
           <p:nvSpPr>
-            <p:cNvPr id="63" name="pt63"/>
-            <p:cNvSpPr/>
-            <p:nvPr/>
-          </p:nvSpPr>
-          <p:spPr>
-            <a:xfrm>
-              <a:off x="4219636" y="3947702"/>
-              <a:ext cx="49651" cy="49651"/>
+            <p:cNvPr id="66" name="pt66"/>
+            <p:cNvSpPr/>
+            <p:nvPr/>
+          </p:nvSpPr>
+          <p:spPr>
+            <a:xfrm>
+              <a:off x="4688905" y="4302324"/>
+              <a:ext cx="82896" cy="70140"/>
             </a:xfrm>
             <a:prstGeom prst="ellipse">
               <a:avLst/>
@@ -13608,14 +13680,14 @@
         </p:sp>
         <p:sp>
           <p:nvSpPr>
-            <p:cNvPr id="64" name="pt64"/>
-            <p:cNvSpPr/>
-            <p:nvPr/>
-          </p:nvSpPr>
-          <p:spPr>
-            <a:xfrm>
-              <a:off x="4861123" y="4078842"/>
-              <a:ext cx="49651" cy="49651"/>
+            <p:cNvPr id="67" name="pt67"/>
+            <p:cNvSpPr/>
+            <p:nvPr/>
+          </p:nvSpPr>
+          <p:spPr>
+            <a:xfrm>
+              <a:off x="5759908" y="4246065"/>
+              <a:ext cx="82896" cy="70140"/>
             </a:xfrm>
             <a:prstGeom prst="ellipse">
               <a:avLst/>
@@ -13675,14 +13747,14 @@
         </p:sp>
         <p:sp>
           <p:nvSpPr>
-            <p:cNvPr id="65" name="pt65"/>
-            <p:cNvSpPr/>
-            <p:nvPr/>
-          </p:nvSpPr>
-          <p:spPr>
-            <a:xfrm>
-              <a:off x="5502609" y="2761630"/>
-              <a:ext cx="49651" cy="49651"/>
+            <p:cNvPr id="68" name="pt68"/>
+            <p:cNvSpPr/>
+            <p:nvPr/>
+          </p:nvSpPr>
+          <p:spPr>
+            <a:xfrm>
+              <a:off x="6830910" y="3958101"/>
+              <a:ext cx="82896" cy="70140"/>
             </a:xfrm>
             <a:prstGeom prst="ellipse">
               <a:avLst/>
@@ -13742,14 +13814,14 @@
         </p:sp>
         <p:sp>
           <p:nvSpPr>
-            <p:cNvPr id="66" name="pt66"/>
-            <p:cNvSpPr/>
-            <p:nvPr/>
-          </p:nvSpPr>
-          <p:spPr>
-            <a:xfrm>
-              <a:off x="5181866" y="4096218"/>
-              <a:ext cx="49651" cy="49651"/>
+            <p:cNvPr id="69" name="pt69"/>
+            <p:cNvSpPr/>
+            <p:nvPr/>
+          </p:nvSpPr>
+          <p:spPr>
+            <a:xfrm>
+              <a:off x="6295409" y="3485521"/>
+              <a:ext cx="82896" cy="70140"/>
             </a:xfrm>
             <a:prstGeom prst="ellipse">
               <a:avLst/>
@@ -13809,14 +13881,14 @@
         </p:sp>
         <p:sp>
           <p:nvSpPr>
-            <p:cNvPr id="67" name="pt67"/>
-            <p:cNvSpPr/>
-            <p:nvPr/>
-          </p:nvSpPr>
-          <p:spPr>
-            <a:xfrm>
-              <a:off x="5823352" y="4056393"/>
-              <a:ext cx="49651" cy="49651"/>
+            <p:cNvPr id="70" name="pt70"/>
+            <p:cNvSpPr/>
+            <p:nvPr/>
+          </p:nvSpPr>
+          <p:spPr>
+            <a:xfrm>
+              <a:off x="7366412" y="4409583"/>
+              <a:ext cx="82896" cy="70140"/>
             </a:xfrm>
             <a:prstGeom prst="ellipse">
               <a:avLst/>
@@ -13876,14 +13948,14 @@
         </p:sp>
         <p:sp>
           <p:nvSpPr>
-            <p:cNvPr id="68" name="pt68"/>
-            <p:cNvSpPr/>
-            <p:nvPr/>
-          </p:nvSpPr>
-          <p:spPr>
-            <a:xfrm>
-              <a:off x="6464838" y="3852549"/>
-              <a:ext cx="49651" cy="49651"/>
+            <p:cNvPr id="71" name="pt71"/>
+            <p:cNvSpPr/>
+            <p:nvPr/>
+          </p:nvSpPr>
+          <p:spPr>
+            <a:xfrm>
+              <a:off x="1475894" y="2606144"/>
+              <a:ext cx="82896" cy="70140"/>
             </a:xfrm>
             <a:prstGeom prst="ellipse">
               <a:avLst/>
@@ -13943,14 +14015,14 @@
         </p:sp>
         <p:sp>
           <p:nvSpPr>
-            <p:cNvPr id="69" name="pt69"/>
-            <p:cNvSpPr/>
-            <p:nvPr/>
-          </p:nvSpPr>
-          <p:spPr>
-            <a:xfrm>
-              <a:off x="6144095" y="3518019"/>
-              <a:ext cx="49651" cy="49651"/>
+            <p:cNvPr id="72" name="pt72"/>
+            <p:cNvSpPr/>
+            <p:nvPr/>
+          </p:nvSpPr>
+          <p:spPr>
+            <a:xfrm>
+              <a:off x="2011396" y="2657788"/>
+              <a:ext cx="82896" cy="70140"/>
             </a:xfrm>
             <a:prstGeom prst="ellipse">
               <a:avLst/>
@@ -14010,14 +14082,14 @@
         </p:sp>
         <p:sp>
           <p:nvSpPr>
-            <p:cNvPr id="70" name="pt70"/>
-            <p:cNvSpPr/>
-            <p:nvPr/>
-          </p:nvSpPr>
-          <p:spPr>
-            <a:xfrm>
-              <a:off x="6785581" y="4172144"/>
-              <a:ext cx="49651" cy="49651"/>
+            <p:cNvPr id="73" name="pt73"/>
+            <p:cNvSpPr/>
+            <p:nvPr/>
+          </p:nvSpPr>
+          <p:spPr>
+            <a:xfrm>
+              <a:off x="2546897" y="3295321"/>
+              <a:ext cx="82896" cy="70140"/>
             </a:xfrm>
             <a:prstGeom prst="ellipse">
               <a:avLst/>
@@ -14077,215 +14149,14 @@
         </p:sp>
         <p:sp>
           <p:nvSpPr>
-            <p:cNvPr id="71" name="pt71"/>
-            <p:cNvSpPr/>
-            <p:nvPr/>
-          </p:nvSpPr>
-          <p:spPr>
-            <a:xfrm>
-              <a:off x="3257407" y="2895525"/>
-              <a:ext cx="49651" cy="49651"/>
-            </a:xfrm>
-            <a:prstGeom prst="ellipse">
-              <a:avLst/>
-            </a:prstGeom>
-            <a:solidFill>
-              <a:srgbClr val="F8766D">
-                <a:alpha val="100000"/>
-              </a:srgbClr>
-            </a:solidFill>
-            <a:ln w="9000" cap="rnd">
-              <a:solidFill>
-                <a:srgbClr val="F8766D">
-                  <a:alpha val="100000"/>
-                </a:srgbClr>
-              </a:solidFill>
-              <a:prstDash val="solid"/>
-              <a:round/>
-            </a:ln>
-          </p:spPr>
-          <p:txBody>
-            <a:bodyPr/>
-            <a:lstStyle/>
-            <a:p>
-              <a:pPr marL="0" marR="0" lvl="0" indent="0" algn="l" defTabSz="995964" rtl="0" eaLnBrk="1" fontAlgn="auto" latinLnBrk="0" hangingPunct="1">
-                <a:lnSpc>
-                  <a:spcPct val="100000"/>
-                </a:lnSpc>
-                <a:spcBef>
-                  <a:spcPts val="0"/>
-                </a:spcBef>
-                <a:spcAft>
-                  <a:spcPts val="0"/>
-                </a:spcAft>
-                <a:buClrTx/>
-                <a:buSzTx/>
-                <a:buFontTx/>
-                <a:buNone/>
-                <a:tabLst/>
-                <a:defRPr/>
-              </a:pPr>
-              <a:endParaRPr kumimoji="0" sz="2000" b="0" i="0" u="none" strike="noStrike" kern="1200" cap="none" spc="0" normalizeH="0" baseline="0" noProof="0">
-                <a:ln>
-                  <a:noFill/>
-                </a:ln>
-                <a:solidFill>
-                  <a:prstClr val="black"/>
-                </a:solidFill>
-                <a:effectLst/>
-                <a:uLnTx/>
-                <a:uFillTx/>
-                <a:latin typeface="Calibri"/>
-                <a:ea typeface="+mn-ea"/>
-                <a:cs typeface="+mn-cs"/>
-              </a:endParaRPr>
-            </a:p>
-          </p:txBody>
-        </p:sp>
-        <p:sp>
-          <p:nvSpPr>
-            <p:cNvPr id="72" name="pt72"/>
-            <p:cNvSpPr/>
-            <p:nvPr/>
-          </p:nvSpPr>
-          <p:spPr>
-            <a:xfrm>
-              <a:off x="3578150" y="2932083"/>
-              <a:ext cx="49651" cy="49651"/>
-            </a:xfrm>
-            <a:prstGeom prst="ellipse">
-              <a:avLst/>
-            </a:prstGeom>
-            <a:solidFill>
-              <a:srgbClr val="F8766D">
-                <a:alpha val="100000"/>
-              </a:srgbClr>
-            </a:solidFill>
-            <a:ln w="9000" cap="rnd">
-              <a:solidFill>
-                <a:srgbClr val="F8766D">
-                  <a:alpha val="100000"/>
-                </a:srgbClr>
-              </a:solidFill>
-              <a:prstDash val="solid"/>
-              <a:round/>
-            </a:ln>
-          </p:spPr>
-          <p:txBody>
-            <a:bodyPr/>
-            <a:lstStyle/>
-            <a:p>
-              <a:pPr marL="0" marR="0" lvl="0" indent="0" algn="l" defTabSz="995964" rtl="0" eaLnBrk="1" fontAlgn="auto" latinLnBrk="0" hangingPunct="1">
-                <a:lnSpc>
-                  <a:spcPct val="100000"/>
-                </a:lnSpc>
-                <a:spcBef>
-                  <a:spcPts val="0"/>
-                </a:spcBef>
-                <a:spcAft>
-                  <a:spcPts val="0"/>
-                </a:spcAft>
-                <a:buClrTx/>
-                <a:buSzTx/>
-                <a:buFontTx/>
-                <a:buNone/>
-                <a:tabLst/>
-                <a:defRPr/>
-              </a:pPr>
-              <a:endParaRPr kumimoji="0" sz="2000" b="0" i="0" u="none" strike="noStrike" kern="1200" cap="none" spc="0" normalizeH="0" baseline="0" noProof="0">
-                <a:ln>
-                  <a:noFill/>
-                </a:ln>
-                <a:solidFill>
-                  <a:prstClr val="black"/>
-                </a:solidFill>
-                <a:effectLst/>
-                <a:uLnTx/>
-                <a:uFillTx/>
-                <a:latin typeface="Calibri"/>
-                <a:ea typeface="+mn-ea"/>
-                <a:cs typeface="+mn-cs"/>
-              </a:endParaRPr>
-            </a:p>
-          </p:txBody>
-        </p:sp>
-        <p:sp>
-          <p:nvSpPr>
-            <p:cNvPr id="73" name="pt73"/>
-            <p:cNvSpPr/>
-            <p:nvPr/>
-          </p:nvSpPr>
-          <p:spPr>
-            <a:xfrm>
-              <a:off x="3898893" y="3383380"/>
-              <a:ext cx="49651" cy="49651"/>
-            </a:xfrm>
-            <a:prstGeom prst="ellipse">
-              <a:avLst/>
-            </a:prstGeom>
-            <a:solidFill>
-              <a:srgbClr val="F8766D">
-                <a:alpha val="100000"/>
-              </a:srgbClr>
-            </a:solidFill>
-            <a:ln w="9000" cap="rnd">
-              <a:solidFill>
-                <a:srgbClr val="F8766D">
-                  <a:alpha val="100000"/>
-                </a:srgbClr>
-              </a:solidFill>
-              <a:prstDash val="solid"/>
-              <a:round/>
-            </a:ln>
-          </p:spPr>
-          <p:txBody>
-            <a:bodyPr/>
-            <a:lstStyle/>
-            <a:p>
-              <a:pPr marL="0" marR="0" lvl="0" indent="0" algn="l" defTabSz="995964" rtl="0" eaLnBrk="1" fontAlgn="auto" latinLnBrk="0" hangingPunct="1">
-                <a:lnSpc>
-                  <a:spcPct val="100000"/>
-                </a:lnSpc>
-                <a:spcBef>
-                  <a:spcPts val="0"/>
-                </a:spcBef>
-                <a:spcAft>
-                  <a:spcPts val="0"/>
-                </a:spcAft>
-                <a:buClrTx/>
-                <a:buSzTx/>
-                <a:buFontTx/>
-                <a:buNone/>
-                <a:tabLst/>
-                <a:defRPr/>
-              </a:pPr>
-              <a:endParaRPr kumimoji="0" sz="2000" b="0" i="0" u="none" strike="noStrike" kern="1200" cap="none" spc="0" normalizeH="0" baseline="0" noProof="0">
-                <a:ln>
-                  <a:noFill/>
-                </a:ln>
-                <a:solidFill>
-                  <a:prstClr val="black"/>
-                </a:solidFill>
-                <a:effectLst/>
-                <a:uLnTx/>
-                <a:uFillTx/>
-                <a:latin typeface="Calibri"/>
-                <a:ea typeface="+mn-ea"/>
-                <a:cs typeface="+mn-cs"/>
-              </a:endParaRPr>
-            </a:p>
-          </p:txBody>
-        </p:sp>
-        <p:sp>
-          <p:nvSpPr>
             <p:cNvPr id="74" name="tx74"/>
             <p:cNvSpPr/>
             <p:nvPr/>
           </p:nvSpPr>
           <p:spPr>
             <a:xfrm>
-              <a:off x="2843602" y="5052270"/>
-              <a:ext cx="183554" cy="92831"/>
+              <a:off x="785020" y="5686425"/>
+              <a:ext cx="306455" cy="131139"/>
             </a:xfrm>
             <a:prstGeom prst="rect">
               <a:avLst/>
@@ -14314,7 +14185,7 @@
                 <a:defRPr/>
               </a:pPr>
               <a:r>
-                <a:rPr kumimoji="0" sz="1000" b="0" i="0" u="none" strike="noStrike" kern="1200" cap="none" spc="0" normalizeH="0" baseline="0" noProof="0">
+                <a:rPr kumimoji="0" sz="2400" b="0" i="0" u="none" strike="noStrike" kern="1200" cap="none" spc="0" normalizeH="0" baseline="0" noProof="0">
                   <a:ln>
                     <a:noFill/>
                   </a:ln>
@@ -14326,9 +14197,8 @@
                   <a:effectLst/>
                   <a:uLnTx/>
                   <a:uFillTx/>
-                  <a:latin typeface="Arial"/>
-                  <a:ea typeface="+mn-ea"/>
-                  <a:cs typeface="Arial"/>
+                  <a:latin typeface="Times New Roman" panose="02020603050405020304" pitchFamily="18" charset="0"/>
+                  <a:cs typeface="Times New Roman" panose="02020603050405020304" pitchFamily="18" charset="0"/>
                 </a:rPr>
                 <a:t>-20</a:t>
               </a:r>
@@ -14343,8 +14213,8 @@
           </p:nvSpPr>
           <p:spPr>
             <a:xfrm>
-              <a:off x="2843602" y="4042404"/>
-              <a:ext cx="70631" cy="92831"/>
+              <a:off x="785020" y="4226303"/>
+              <a:ext cx="117923" cy="131139"/>
             </a:xfrm>
             <a:prstGeom prst="rect">
               <a:avLst/>
@@ -14373,7 +14243,7 @@
                 <a:defRPr/>
               </a:pPr>
               <a:r>
-                <a:rPr kumimoji="0" sz="1000" b="0" i="0" u="none" strike="noStrike" kern="1200" cap="none" spc="0" normalizeH="0" baseline="0" noProof="0">
+                <a:rPr kumimoji="0" sz="2400" b="0" i="0" u="none" strike="noStrike" kern="1200" cap="none" spc="0" normalizeH="0" baseline="0" noProof="0">
                   <a:ln>
                     <a:noFill/>
                   </a:ln>
@@ -14385,9 +14255,8 @@
                   <a:effectLst/>
                   <a:uLnTx/>
                   <a:uFillTx/>
-                  <a:latin typeface="Arial"/>
-                  <a:ea typeface="+mn-ea"/>
-                  <a:cs typeface="Arial"/>
+                  <a:latin typeface="Times New Roman" panose="02020603050405020304" pitchFamily="18" charset="0"/>
+                  <a:cs typeface="Times New Roman" panose="02020603050405020304" pitchFamily="18" charset="0"/>
                 </a:rPr>
                 <a:t>0</a:t>
               </a:r>
@@ -14402,8 +14271,8 @@
           </p:nvSpPr>
           <p:spPr>
             <a:xfrm>
-              <a:off x="2843602" y="3032538"/>
-              <a:ext cx="141262" cy="92831"/>
+              <a:off x="785020" y="2799698"/>
+              <a:ext cx="235846" cy="131139"/>
             </a:xfrm>
             <a:prstGeom prst="rect">
               <a:avLst/>
@@ -14432,7 +14301,7 @@
                 <a:defRPr/>
               </a:pPr>
               <a:r>
-                <a:rPr kumimoji="0" sz="1000" b="0" i="0" u="none" strike="noStrike" kern="1200" cap="none" spc="0" normalizeH="0" baseline="0" noProof="0">
+                <a:rPr kumimoji="0" sz="2400" b="0" i="0" u="none" strike="noStrike" kern="1200" cap="none" spc="0" normalizeH="0" baseline="0" noProof="0">
                   <a:ln>
                     <a:noFill/>
                   </a:ln>
@@ -14444,9 +14313,8 @@
                   <a:effectLst/>
                   <a:uLnTx/>
                   <a:uFillTx/>
-                  <a:latin typeface="Arial"/>
-                  <a:ea typeface="+mn-ea"/>
-                  <a:cs typeface="Arial"/>
+                  <a:latin typeface="Times New Roman" panose="02020603050405020304" pitchFamily="18" charset="0"/>
+                  <a:cs typeface="Times New Roman" panose="02020603050405020304" pitchFamily="18" charset="0"/>
                 </a:rPr>
                 <a:t>20</a:t>
               </a:r>
@@ -14461,8 +14329,8 @@
           </p:nvSpPr>
           <p:spPr>
             <a:xfrm>
-              <a:off x="2843602" y="2022671"/>
-              <a:ext cx="141262" cy="92831"/>
+              <a:off x="785020" y="1373091"/>
+              <a:ext cx="235846" cy="131139"/>
             </a:xfrm>
             <a:prstGeom prst="rect">
               <a:avLst/>
@@ -14491,7 +14359,7 @@
                 <a:defRPr/>
               </a:pPr>
               <a:r>
-                <a:rPr kumimoji="0" sz="1000" b="0" i="0" u="none" strike="noStrike" kern="1200" cap="none" spc="0" normalizeH="0" baseline="0" noProof="0">
+                <a:rPr kumimoji="0" sz="2400" b="0" i="0" u="none" strike="noStrike" kern="1200" cap="none" spc="0" normalizeH="0" baseline="0" noProof="0">
                   <a:ln>
                     <a:noFill/>
                   </a:ln>
@@ -14503,9 +14371,8 @@
                   <a:effectLst/>
                   <a:uLnTx/>
                   <a:uFillTx/>
-                  <a:latin typeface="Arial"/>
-                  <a:ea typeface="+mn-ea"/>
-                  <a:cs typeface="Arial"/>
+                  <a:latin typeface="Times New Roman" panose="02020603050405020304" pitchFamily="18" charset="0"/>
+                  <a:cs typeface="Times New Roman" panose="02020603050405020304" pitchFamily="18" charset="0"/>
                 </a:rPr>
                 <a:t>40</a:t>
               </a:r>
@@ -14520,8 +14387,8 @@
           </p:nvSpPr>
           <p:spPr>
             <a:xfrm>
-              <a:off x="3054992" y="5099647"/>
-              <a:ext cx="34794" cy="0"/>
+              <a:off x="1137949" y="5753353"/>
+              <a:ext cx="58091" cy="0"/>
             </a:xfrm>
             <a:custGeom>
               <a:avLst/>
@@ -14571,7 +14438,7 @@
                 <a:tabLst/>
                 <a:defRPr/>
               </a:pPr>
-              <a:endParaRPr kumimoji="0" sz="2000" b="0" i="0" u="none" strike="noStrike" kern="1200" cap="none" spc="0" normalizeH="0" baseline="0" noProof="0">
+              <a:endParaRPr kumimoji="0" sz="1800" b="0" i="0" u="none" strike="noStrike" kern="1200" cap="none" spc="0" normalizeH="0" baseline="0" noProof="0">
                 <a:ln>
                   <a:noFill/>
                 </a:ln>
@@ -14581,9 +14448,8 @@
                 <a:effectLst/>
                 <a:uLnTx/>
                 <a:uFillTx/>
-                <a:latin typeface="Calibri"/>
-                <a:ea typeface="+mn-ea"/>
-                <a:cs typeface="+mn-cs"/>
+                <a:latin typeface="Times New Roman" panose="02020603050405020304" pitchFamily="18" charset="0"/>
+                <a:cs typeface="Times New Roman" panose="02020603050405020304" pitchFamily="18" charset="0"/>
               </a:endParaRPr>
             </a:p>
           </p:txBody>
@@ -14596,8 +14462,8 @@
           </p:nvSpPr>
           <p:spPr>
             <a:xfrm>
-              <a:off x="3054992" y="4089781"/>
-              <a:ext cx="34794" cy="0"/>
+              <a:off x="1137949" y="4293231"/>
+              <a:ext cx="58091" cy="0"/>
             </a:xfrm>
             <a:custGeom>
               <a:avLst/>
@@ -14647,7 +14513,7 @@
                 <a:tabLst/>
                 <a:defRPr/>
               </a:pPr>
-              <a:endParaRPr kumimoji="0" sz="2000" b="0" i="0" u="none" strike="noStrike" kern="1200" cap="none" spc="0" normalizeH="0" baseline="0" noProof="0">
+              <a:endParaRPr kumimoji="0" sz="2400" b="0" i="0" u="none" strike="noStrike" kern="1200" cap="none" spc="0" normalizeH="0" baseline="0" noProof="0">
                 <a:ln>
                   <a:noFill/>
                 </a:ln>
@@ -14657,9 +14523,8 @@
                 <a:effectLst/>
                 <a:uLnTx/>
                 <a:uFillTx/>
-                <a:latin typeface="Calibri"/>
-                <a:ea typeface="+mn-ea"/>
-                <a:cs typeface="+mn-cs"/>
+                <a:latin typeface="Times New Roman" panose="02020603050405020304" pitchFamily="18" charset="0"/>
+                <a:cs typeface="Times New Roman" panose="02020603050405020304" pitchFamily="18" charset="0"/>
               </a:endParaRPr>
             </a:p>
           </p:txBody>
@@ -14672,8 +14537,8 @@
           </p:nvSpPr>
           <p:spPr>
             <a:xfrm>
-              <a:off x="3054992" y="3079915"/>
-              <a:ext cx="34794" cy="0"/>
+              <a:off x="1137949" y="2866626"/>
+              <a:ext cx="58091" cy="0"/>
             </a:xfrm>
             <a:custGeom>
               <a:avLst/>
@@ -14723,7 +14588,7 @@
                 <a:tabLst/>
                 <a:defRPr/>
               </a:pPr>
-              <a:endParaRPr kumimoji="0" sz="2000" b="0" i="0" u="none" strike="noStrike" kern="1200" cap="none" spc="0" normalizeH="0" baseline="0" noProof="0">
+              <a:endParaRPr kumimoji="0" sz="2400" b="0" i="0" u="none" strike="noStrike" kern="1200" cap="none" spc="0" normalizeH="0" baseline="0" noProof="0">
                 <a:ln>
                   <a:noFill/>
                 </a:ln>
@@ -14733,9 +14598,8 @@
                 <a:effectLst/>
                 <a:uLnTx/>
                 <a:uFillTx/>
-                <a:latin typeface="Calibri"/>
-                <a:ea typeface="+mn-ea"/>
-                <a:cs typeface="+mn-cs"/>
+                <a:latin typeface="Times New Roman" panose="02020603050405020304" pitchFamily="18" charset="0"/>
+                <a:cs typeface="Times New Roman" panose="02020603050405020304" pitchFamily="18" charset="0"/>
               </a:endParaRPr>
             </a:p>
           </p:txBody>
@@ -14748,8 +14612,8 @@
           </p:nvSpPr>
           <p:spPr>
             <a:xfrm>
-              <a:off x="3054992" y="2070048"/>
-              <a:ext cx="34794" cy="0"/>
+              <a:off x="1137949" y="1440018"/>
+              <a:ext cx="58091" cy="0"/>
             </a:xfrm>
             <a:custGeom>
               <a:avLst/>
@@ -14799,7 +14663,7 @@
                 <a:tabLst/>
                 <a:defRPr/>
               </a:pPr>
-              <a:endParaRPr kumimoji="0" sz="2000" b="0" i="0" u="none" strike="noStrike" kern="1200" cap="none" spc="0" normalizeH="0" baseline="0" noProof="0">
+              <a:endParaRPr kumimoji="0" sz="2400" b="0" i="0" u="none" strike="noStrike" kern="1200" cap="none" spc="0" normalizeH="0" baseline="0" noProof="0">
                 <a:ln>
                   <a:noFill/>
                 </a:ln>
@@ -14809,9 +14673,8 @@
                 <a:effectLst/>
                 <a:uLnTx/>
                 <a:uFillTx/>
-                <a:latin typeface="Calibri"/>
-                <a:ea typeface="+mn-ea"/>
-                <a:cs typeface="+mn-cs"/>
+                <a:latin typeface="Times New Roman" panose="02020603050405020304" pitchFamily="18" charset="0"/>
+                <a:cs typeface="Times New Roman" panose="02020603050405020304" pitchFamily="18" charset="0"/>
               </a:endParaRPr>
             </a:p>
           </p:txBody>
@@ -14824,8 +14687,8 @@
           </p:nvSpPr>
           <p:spPr>
             <a:xfrm>
-              <a:off x="3282233" y="5118718"/>
-              <a:ext cx="0" cy="34794"/>
+              <a:off x="1517343" y="5961652"/>
+              <a:ext cx="0" cy="49152"/>
             </a:xfrm>
             <a:custGeom>
               <a:avLst/>
@@ -14875,7 +14738,7 @@
                 <a:tabLst/>
                 <a:defRPr/>
               </a:pPr>
-              <a:endParaRPr kumimoji="0" sz="2000" b="0" i="0" u="none" strike="noStrike" kern="1200" cap="none" spc="0" normalizeH="0" baseline="0" noProof="0">
+              <a:endParaRPr kumimoji="0" sz="1800" b="0" i="0" u="none" strike="noStrike" kern="1200" cap="none" spc="0" normalizeH="0" baseline="0" noProof="0">
                 <a:ln>
                   <a:noFill/>
                 </a:ln>
@@ -14885,9 +14748,8 @@
                 <a:effectLst/>
                 <a:uLnTx/>
                 <a:uFillTx/>
-                <a:latin typeface="Calibri"/>
-                <a:ea typeface="+mn-ea"/>
-                <a:cs typeface="+mn-cs"/>
+                <a:latin typeface="Times New Roman" panose="02020603050405020304" pitchFamily="18" charset="0"/>
+                <a:cs typeface="Times New Roman" panose="02020603050405020304" pitchFamily="18" charset="0"/>
               </a:endParaRPr>
             </a:p>
           </p:txBody>
@@ -14900,8 +14762,8 @@
           </p:nvSpPr>
           <p:spPr>
             <a:xfrm>
-              <a:off x="3602976" y="5118718"/>
-              <a:ext cx="0" cy="34794"/>
+              <a:off x="2052844" y="5961652"/>
+              <a:ext cx="0" cy="49152"/>
             </a:xfrm>
             <a:custGeom>
               <a:avLst/>
@@ -14951,7 +14813,7 @@
                 <a:tabLst/>
                 <a:defRPr/>
               </a:pPr>
-              <a:endParaRPr kumimoji="0" sz="2000" b="0" i="0" u="none" strike="noStrike" kern="1200" cap="none" spc="0" normalizeH="0" baseline="0" noProof="0">
+              <a:endParaRPr kumimoji="0" sz="1800" b="0" i="0" u="none" strike="noStrike" kern="1200" cap="none" spc="0" normalizeH="0" baseline="0" noProof="0">
                 <a:ln>
                   <a:noFill/>
                 </a:ln>
@@ -14961,9 +14823,8 @@
                 <a:effectLst/>
                 <a:uLnTx/>
                 <a:uFillTx/>
-                <a:latin typeface="Calibri"/>
-                <a:ea typeface="+mn-ea"/>
-                <a:cs typeface="+mn-cs"/>
+                <a:latin typeface="Times New Roman" panose="02020603050405020304" pitchFamily="18" charset="0"/>
+                <a:cs typeface="Times New Roman" panose="02020603050405020304" pitchFamily="18" charset="0"/>
               </a:endParaRPr>
             </a:p>
           </p:txBody>
@@ -14976,8 +14837,8 @@
           </p:nvSpPr>
           <p:spPr>
             <a:xfrm>
-              <a:off x="3923719" y="5118718"/>
-              <a:ext cx="0" cy="34794"/>
+              <a:off x="2588346" y="5961652"/>
+              <a:ext cx="0" cy="49152"/>
             </a:xfrm>
             <a:custGeom>
               <a:avLst/>
@@ -15027,7 +14888,7 @@
                 <a:tabLst/>
                 <a:defRPr/>
               </a:pPr>
-              <a:endParaRPr kumimoji="0" sz="2000" b="0" i="0" u="none" strike="noStrike" kern="1200" cap="none" spc="0" normalizeH="0" baseline="0" noProof="0">
+              <a:endParaRPr kumimoji="0" sz="1800" b="0" i="0" u="none" strike="noStrike" kern="1200" cap="none" spc="0" normalizeH="0" baseline="0" noProof="0">
                 <a:ln>
                   <a:noFill/>
                 </a:ln>
@@ -15037,9 +14898,8 @@
                 <a:effectLst/>
                 <a:uLnTx/>
                 <a:uFillTx/>
-                <a:latin typeface="Calibri"/>
-                <a:ea typeface="+mn-ea"/>
-                <a:cs typeface="+mn-cs"/>
+                <a:latin typeface="Times New Roman" panose="02020603050405020304" pitchFamily="18" charset="0"/>
+                <a:cs typeface="Times New Roman" panose="02020603050405020304" pitchFamily="18" charset="0"/>
               </a:endParaRPr>
             </a:p>
           </p:txBody>
@@ -15052,8 +14912,8 @@
           </p:nvSpPr>
           <p:spPr>
             <a:xfrm>
-              <a:off x="4244462" y="5118718"/>
-              <a:ext cx="0" cy="34794"/>
+              <a:off x="3123847" y="5961652"/>
+              <a:ext cx="0" cy="49152"/>
             </a:xfrm>
             <a:custGeom>
               <a:avLst/>
@@ -15103,7 +14963,7 @@
                 <a:tabLst/>
                 <a:defRPr/>
               </a:pPr>
-              <a:endParaRPr kumimoji="0" sz="2000" b="0" i="0" u="none" strike="noStrike" kern="1200" cap="none" spc="0" normalizeH="0" baseline="0" noProof="0">
+              <a:endParaRPr kumimoji="0" sz="1800" b="0" i="0" u="none" strike="noStrike" kern="1200" cap="none" spc="0" normalizeH="0" baseline="0" noProof="0">
                 <a:ln>
                   <a:noFill/>
                 </a:ln>
@@ -15113,9 +14973,8 @@
                 <a:effectLst/>
                 <a:uLnTx/>
                 <a:uFillTx/>
-                <a:latin typeface="Calibri"/>
-                <a:ea typeface="+mn-ea"/>
-                <a:cs typeface="+mn-cs"/>
+                <a:latin typeface="Times New Roman" panose="02020603050405020304" pitchFamily="18" charset="0"/>
+                <a:cs typeface="Times New Roman" panose="02020603050405020304" pitchFamily="18" charset="0"/>
               </a:endParaRPr>
             </a:p>
           </p:txBody>
@@ -15128,8 +14987,8 @@
           </p:nvSpPr>
           <p:spPr>
             <a:xfrm>
-              <a:off x="4565205" y="5118718"/>
-              <a:ext cx="0" cy="34794"/>
+              <a:off x="3659349" y="5961652"/>
+              <a:ext cx="0" cy="49152"/>
             </a:xfrm>
             <a:custGeom>
               <a:avLst/>
@@ -15179,7 +15038,7 @@
                 <a:tabLst/>
                 <a:defRPr/>
               </a:pPr>
-              <a:endParaRPr kumimoji="0" sz="2000" b="0" i="0" u="none" strike="noStrike" kern="1200" cap="none" spc="0" normalizeH="0" baseline="0" noProof="0">
+              <a:endParaRPr kumimoji="0" sz="1800" b="0" i="0" u="none" strike="noStrike" kern="1200" cap="none" spc="0" normalizeH="0" baseline="0" noProof="0">
                 <a:ln>
                   <a:noFill/>
                 </a:ln>
@@ -15189,9 +15048,8 @@
                 <a:effectLst/>
                 <a:uLnTx/>
                 <a:uFillTx/>
-                <a:latin typeface="Calibri"/>
-                <a:ea typeface="+mn-ea"/>
-                <a:cs typeface="+mn-cs"/>
+                <a:latin typeface="Times New Roman" panose="02020603050405020304" pitchFamily="18" charset="0"/>
+                <a:cs typeface="Times New Roman" panose="02020603050405020304" pitchFamily="18" charset="0"/>
               </a:endParaRPr>
             </a:p>
           </p:txBody>
@@ -15204,8 +15062,8 @@
           </p:nvSpPr>
           <p:spPr>
             <a:xfrm>
-              <a:off x="4885949" y="5118718"/>
-              <a:ext cx="0" cy="34794"/>
+              <a:off x="4194852" y="5961652"/>
+              <a:ext cx="0" cy="49152"/>
             </a:xfrm>
             <a:custGeom>
               <a:avLst/>
@@ -15255,7 +15113,7 @@
                 <a:tabLst/>
                 <a:defRPr/>
               </a:pPr>
-              <a:endParaRPr kumimoji="0" sz="2000" b="0" i="0" u="none" strike="noStrike" kern="1200" cap="none" spc="0" normalizeH="0" baseline="0" noProof="0">
+              <a:endParaRPr kumimoji="0" sz="1800" b="0" i="0" u="none" strike="noStrike" kern="1200" cap="none" spc="0" normalizeH="0" baseline="0" noProof="0">
                 <a:ln>
                   <a:noFill/>
                 </a:ln>
@@ -15265,9 +15123,8 @@
                 <a:effectLst/>
                 <a:uLnTx/>
                 <a:uFillTx/>
-                <a:latin typeface="Calibri"/>
-                <a:ea typeface="+mn-ea"/>
-                <a:cs typeface="+mn-cs"/>
+                <a:latin typeface="Times New Roman" panose="02020603050405020304" pitchFamily="18" charset="0"/>
+                <a:cs typeface="Times New Roman" panose="02020603050405020304" pitchFamily="18" charset="0"/>
               </a:endParaRPr>
             </a:p>
           </p:txBody>
@@ -15280,8 +15137,8 @@
           </p:nvSpPr>
           <p:spPr>
             <a:xfrm>
-              <a:off x="5206692" y="5118718"/>
-              <a:ext cx="0" cy="34794"/>
+              <a:off x="4730353" y="5961652"/>
+              <a:ext cx="0" cy="49152"/>
             </a:xfrm>
             <a:custGeom>
               <a:avLst/>
@@ -15331,7 +15188,7 @@
                 <a:tabLst/>
                 <a:defRPr/>
               </a:pPr>
-              <a:endParaRPr kumimoji="0" sz="2000" b="0" i="0" u="none" strike="noStrike" kern="1200" cap="none" spc="0" normalizeH="0" baseline="0" noProof="0">
+              <a:endParaRPr kumimoji="0" sz="1800" b="0" i="0" u="none" strike="noStrike" kern="1200" cap="none" spc="0" normalizeH="0" baseline="0" noProof="0">
                 <a:ln>
                   <a:noFill/>
                 </a:ln>
@@ -15341,9 +15198,8 @@
                 <a:effectLst/>
                 <a:uLnTx/>
                 <a:uFillTx/>
-                <a:latin typeface="Calibri"/>
-                <a:ea typeface="+mn-ea"/>
-                <a:cs typeface="+mn-cs"/>
+                <a:latin typeface="Times New Roman" panose="02020603050405020304" pitchFamily="18" charset="0"/>
+                <a:cs typeface="Times New Roman" panose="02020603050405020304" pitchFamily="18" charset="0"/>
               </a:endParaRPr>
             </a:p>
           </p:txBody>
@@ -15356,8 +15212,8 @@
           </p:nvSpPr>
           <p:spPr>
             <a:xfrm>
-              <a:off x="5527435" y="5118718"/>
-              <a:ext cx="0" cy="34794"/>
+              <a:off x="5265855" y="5961652"/>
+              <a:ext cx="0" cy="49152"/>
             </a:xfrm>
             <a:custGeom>
               <a:avLst/>
@@ -15407,7 +15263,7 @@
                 <a:tabLst/>
                 <a:defRPr/>
               </a:pPr>
-              <a:endParaRPr kumimoji="0" sz="2000" b="0" i="0" u="none" strike="noStrike" kern="1200" cap="none" spc="0" normalizeH="0" baseline="0" noProof="0">
+              <a:endParaRPr kumimoji="0" sz="1800" b="0" i="0" u="none" strike="noStrike" kern="1200" cap="none" spc="0" normalizeH="0" baseline="0" noProof="0">
                 <a:ln>
                   <a:noFill/>
                 </a:ln>
@@ -15417,9 +15273,8 @@
                 <a:effectLst/>
                 <a:uLnTx/>
                 <a:uFillTx/>
-                <a:latin typeface="Calibri"/>
-                <a:ea typeface="+mn-ea"/>
-                <a:cs typeface="+mn-cs"/>
+                <a:latin typeface="Times New Roman" panose="02020603050405020304" pitchFamily="18" charset="0"/>
+                <a:cs typeface="Times New Roman" panose="02020603050405020304" pitchFamily="18" charset="0"/>
               </a:endParaRPr>
             </a:p>
           </p:txBody>
@@ -15432,8 +15287,8 @@
           </p:nvSpPr>
           <p:spPr>
             <a:xfrm>
-              <a:off x="5848178" y="5118718"/>
-              <a:ext cx="0" cy="34794"/>
+              <a:off x="5801356" y="5961652"/>
+              <a:ext cx="0" cy="49152"/>
             </a:xfrm>
             <a:custGeom>
               <a:avLst/>
@@ -15483,7 +15338,7 @@
                 <a:tabLst/>
                 <a:defRPr/>
               </a:pPr>
-              <a:endParaRPr kumimoji="0" sz="2000" b="0" i="0" u="none" strike="noStrike" kern="1200" cap="none" spc="0" normalizeH="0" baseline="0" noProof="0">
+              <a:endParaRPr kumimoji="0" sz="1800" b="0" i="0" u="none" strike="noStrike" kern="1200" cap="none" spc="0" normalizeH="0" baseline="0" noProof="0">
                 <a:ln>
                   <a:noFill/>
                 </a:ln>
@@ -15493,9 +15348,8 @@
                 <a:effectLst/>
                 <a:uLnTx/>
                 <a:uFillTx/>
-                <a:latin typeface="Calibri"/>
-                <a:ea typeface="+mn-ea"/>
-                <a:cs typeface="+mn-cs"/>
+                <a:latin typeface="Times New Roman" panose="02020603050405020304" pitchFamily="18" charset="0"/>
+                <a:cs typeface="Times New Roman" panose="02020603050405020304" pitchFamily="18" charset="0"/>
               </a:endParaRPr>
             </a:p>
           </p:txBody>
@@ -15508,8 +15362,8 @@
           </p:nvSpPr>
           <p:spPr>
             <a:xfrm>
-              <a:off x="6168921" y="5118718"/>
-              <a:ext cx="0" cy="34794"/>
+              <a:off x="6336858" y="5961652"/>
+              <a:ext cx="0" cy="49152"/>
             </a:xfrm>
             <a:custGeom>
               <a:avLst/>
@@ -15559,7 +15413,7 @@
                 <a:tabLst/>
                 <a:defRPr/>
               </a:pPr>
-              <a:endParaRPr kumimoji="0" sz="2000" b="0" i="0" u="none" strike="noStrike" kern="1200" cap="none" spc="0" normalizeH="0" baseline="0" noProof="0">
+              <a:endParaRPr kumimoji="0" sz="1800" b="0" i="0" u="none" strike="noStrike" kern="1200" cap="none" spc="0" normalizeH="0" baseline="0" noProof="0">
                 <a:ln>
                   <a:noFill/>
                 </a:ln>
@@ -15569,9 +15423,8 @@
                 <a:effectLst/>
                 <a:uLnTx/>
                 <a:uFillTx/>
-                <a:latin typeface="Calibri"/>
-                <a:ea typeface="+mn-ea"/>
-                <a:cs typeface="+mn-cs"/>
+                <a:latin typeface="Times New Roman" panose="02020603050405020304" pitchFamily="18" charset="0"/>
+                <a:cs typeface="Times New Roman" panose="02020603050405020304" pitchFamily="18" charset="0"/>
               </a:endParaRPr>
             </a:p>
           </p:txBody>
@@ -15584,8 +15437,8 @@
           </p:nvSpPr>
           <p:spPr>
             <a:xfrm>
-              <a:off x="6489664" y="5118718"/>
-              <a:ext cx="0" cy="34794"/>
+              <a:off x="6872359" y="5961652"/>
+              <a:ext cx="0" cy="49152"/>
             </a:xfrm>
             <a:custGeom>
               <a:avLst/>
@@ -15635,7 +15488,7 @@
                 <a:tabLst/>
                 <a:defRPr/>
               </a:pPr>
-              <a:endParaRPr kumimoji="0" sz="2000" b="0" i="0" u="none" strike="noStrike" kern="1200" cap="none" spc="0" normalizeH="0" baseline="0" noProof="0">
+              <a:endParaRPr kumimoji="0" sz="1800" b="0" i="0" u="none" strike="noStrike" kern="1200" cap="none" spc="0" normalizeH="0" baseline="0" noProof="0">
                 <a:ln>
                   <a:noFill/>
                 </a:ln>
@@ -15645,9 +15498,8 @@
                 <a:effectLst/>
                 <a:uLnTx/>
                 <a:uFillTx/>
-                <a:latin typeface="Calibri"/>
-                <a:ea typeface="+mn-ea"/>
-                <a:cs typeface="+mn-cs"/>
+                <a:latin typeface="Times New Roman" panose="02020603050405020304" pitchFamily="18" charset="0"/>
+                <a:cs typeface="Times New Roman" panose="02020603050405020304" pitchFamily="18" charset="0"/>
               </a:endParaRPr>
             </a:p>
           </p:txBody>
@@ -15660,8 +15512,8 @@
           </p:nvSpPr>
           <p:spPr>
             <a:xfrm>
-              <a:off x="6810407" y="5118718"/>
-              <a:ext cx="0" cy="34794"/>
+              <a:off x="7407861" y="5961652"/>
+              <a:ext cx="0" cy="49152"/>
             </a:xfrm>
             <a:custGeom>
               <a:avLst/>
@@ -15711,7 +15563,7 @@
                 <a:tabLst/>
                 <a:defRPr/>
               </a:pPr>
-              <a:endParaRPr kumimoji="0" sz="2000" b="0" i="0" u="none" strike="noStrike" kern="1200" cap="none" spc="0" normalizeH="0" baseline="0" noProof="0">
+              <a:endParaRPr kumimoji="0" sz="1800" b="0" i="0" u="none" strike="noStrike" kern="1200" cap="none" spc="0" normalizeH="0" baseline="0" noProof="0">
                 <a:ln>
                   <a:noFill/>
                 </a:ln>
@@ -15721,9 +15573,8 @@
                 <a:effectLst/>
                 <a:uLnTx/>
                 <a:uFillTx/>
-                <a:latin typeface="Calibri"/>
-                <a:ea typeface="+mn-ea"/>
-                <a:cs typeface="+mn-cs"/>
+                <a:latin typeface="Times New Roman" panose="02020603050405020304" pitchFamily="18" charset="0"/>
+                <a:cs typeface="Times New Roman" panose="02020603050405020304" pitchFamily="18" charset="0"/>
               </a:endParaRPr>
             </a:p>
           </p:txBody>
@@ -15735,9 +15586,9 @@
             <p:nvPr/>
           </p:nvSpPr>
           <p:spPr>
-            <a:xfrm rot="-2700000">
-              <a:off x="2418955" y="5512141"/>
-              <a:ext cx="1037952" cy="117698"/>
+            <a:xfrm rot="18900000">
+              <a:off x="76044" y="6517428"/>
+              <a:ext cx="1732929" cy="166268"/>
             </a:xfrm>
             <a:prstGeom prst="rect">
               <a:avLst/>
@@ -15766,7 +15617,74 @@
                 <a:defRPr/>
               </a:pPr>
               <a:r>
-                <a:rPr kumimoji="0" sz="1000" b="0" i="0" u="none" strike="noStrike" kern="1200" cap="none" spc="0" normalizeH="0" baseline="0" noProof="0">
+                <a:rPr lang="en-US" sz="1800" dirty="0">
+                  <a:solidFill>
+                    <a:srgbClr val="000000">
+                      <a:alpha val="100000"/>
+                    </a:srgbClr>
+                  </a:solidFill>
+                  <a:latin typeface="Times New Roman" panose="02020603050405020304" pitchFamily="18" charset="0"/>
+                  <a:cs typeface="Times New Roman" panose="02020603050405020304" pitchFamily="18" charset="0"/>
+                </a:rPr>
+                <a:t>Coyote Fox Interaction</a:t>
+              </a:r>
+              <a:endParaRPr kumimoji="0" sz="1800" b="0" i="0" u="none" strike="noStrike" kern="1200" cap="none" spc="0" normalizeH="0" baseline="0" noProof="0" dirty="0">
+                <a:ln>
+                  <a:noFill/>
+                </a:ln>
+                <a:solidFill>
+                  <a:srgbClr val="000000">
+                    <a:alpha val="100000"/>
+                  </a:srgbClr>
+                </a:solidFill>
+                <a:effectLst/>
+                <a:uLnTx/>
+                <a:uFillTx/>
+                <a:latin typeface="Times New Roman" panose="02020603050405020304" pitchFamily="18" charset="0"/>
+                <a:cs typeface="Times New Roman" panose="02020603050405020304" pitchFamily="18" charset="0"/>
+              </a:endParaRPr>
+            </a:p>
+          </p:txBody>
+        </p:sp>
+        <p:sp>
+          <p:nvSpPr>
+            <p:cNvPr id="95" name="tx95"/>
+            <p:cNvSpPr/>
+            <p:nvPr/>
+          </p:nvSpPr>
+          <p:spPr>
+            <a:xfrm rot="18900000">
+              <a:off x="611545" y="6517428"/>
+              <a:ext cx="1732929" cy="166268"/>
+            </a:xfrm>
+            <a:prstGeom prst="rect">
+              <a:avLst/>
+            </a:prstGeom>
+            <a:noFill/>
+          </p:spPr>
+          <p:txBody>
+            <a:bodyPr wrap="none" lIns="0" tIns="0" rIns="0" bIns="0" anchor="ctr" anchorCtr="1"/>
+            <a:lstStyle/>
+            <a:p>
+              <a:pPr marL="0" marR="0" lvl="0" indent="0" algn="l" defTabSz="995964" rtl="0" eaLnBrk="1" fontAlgn="auto" latinLnBrk="0" hangingPunct="1">
+                <a:lnSpc>
+                  <a:spcPts val="1000"/>
+                </a:lnSpc>
+                <a:spcBef>
+                  <a:spcPts val="0"/>
+                </a:spcBef>
+                <a:spcAft>
+                  <a:spcPts val="0"/>
+                </a:spcAft>
+                <a:buClrTx/>
+                <a:buSzTx/>
+                <a:buFontTx/>
+                <a:buNone/>
+                <a:tabLst/>
+                <a:defRPr/>
+              </a:pPr>
+              <a:r>
+                <a:rPr kumimoji="0" lang="en-US" sz="1800" b="0" i="0" u="none" strike="noStrike" kern="1200" cap="none" spc="0" normalizeH="0" baseline="0" noProof="0" dirty="0">
                   <a:ln>
                     <a:noFill/>
                   </a:ln>
@@ -15778,25 +15696,39 @@
                   <a:effectLst/>
                   <a:uLnTx/>
                   <a:uFillTx/>
-                  <a:latin typeface="Arial"/>
-                  <a:ea typeface="+mn-ea"/>
-                  <a:cs typeface="Arial"/>
+                  <a:latin typeface="Times New Roman" panose="02020603050405020304" pitchFamily="18" charset="0"/>
+                  <a:cs typeface="Times New Roman" panose="02020603050405020304" pitchFamily="18" charset="0"/>
                 </a:rPr>
-                <a:t>Cor_spp_1_spp_2</a:t>
+                <a:t>Coyote Bobcat Interaction</a:t>
               </a:r>
-            </a:p>
-          </p:txBody>
-        </p:sp>
-        <p:sp>
-          <p:nvSpPr>
-            <p:cNvPr id="95" name="tx95"/>
-            <p:cNvSpPr/>
-            <p:nvPr/>
-          </p:nvSpPr>
-          <p:spPr>
-            <a:xfrm rot="-2700000">
-              <a:off x="2739698" y="5512141"/>
-              <a:ext cx="1037952" cy="117698"/>
+              <a:endParaRPr kumimoji="0" sz="1800" b="0" i="0" u="none" strike="noStrike" kern="1200" cap="none" spc="0" normalizeH="0" baseline="0" noProof="0" dirty="0">
+                <a:ln>
+                  <a:noFill/>
+                </a:ln>
+                <a:solidFill>
+                  <a:srgbClr val="000000">
+                    <a:alpha val="100000"/>
+                  </a:srgbClr>
+                </a:solidFill>
+                <a:effectLst/>
+                <a:uLnTx/>
+                <a:uFillTx/>
+                <a:latin typeface="Times New Roman" panose="02020603050405020304" pitchFamily="18" charset="0"/>
+                <a:cs typeface="Times New Roman" panose="02020603050405020304" pitchFamily="18" charset="0"/>
+              </a:endParaRPr>
+            </a:p>
+          </p:txBody>
+        </p:sp>
+        <p:sp>
+          <p:nvSpPr>
+            <p:cNvPr id="96" name="tx96"/>
+            <p:cNvSpPr/>
+            <p:nvPr/>
+          </p:nvSpPr>
+          <p:spPr>
+            <a:xfrm rot="18900000">
+              <a:off x="1147047" y="6517428"/>
+              <a:ext cx="1732929" cy="166268"/>
             </a:xfrm>
             <a:prstGeom prst="rect">
               <a:avLst/>
@@ -15825,7 +15757,19 @@
                 <a:defRPr/>
               </a:pPr>
               <a:r>
-                <a:rPr kumimoji="0" sz="1000" b="0" i="0" u="none" strike="noStrike" kern="1200" cap="none" spc="0" normalizeH="0" baseline="0" noProof="0">
+                <a:rPr lang="en-US" sz="1800" dirty="0">
+                  <a:solidFill>
+                    <a:srgbClr val="000000">
+                      <a:alpha val="100000"/>
+                    </a:srgbClr>
+                  </a:solidFill>
+                  <a:latin typeface="Times New Roman" panose="02020603050405020304" pitchFamily="18" charset="0"/>
+                  <a:cs typeface="Times New Roman" panose="02020603050405020304" pitchFamily="18" charset="0"/>
+                </a:rPr>
+                <a:t>F</a:t>
+              </a:r>
+              <a:r>
+                <a:rPr kumimoji="0" lang="en-US" sz="1800" b="0" i="0" u="none" strike="noStrike" kern="1200" cap="none" spc="0" normalizeH="0" baseline="0" noProof="0" dirty="0">
                   <a:ln>
                     <a:noFill/>
                   </a:ln>
@@ -15837,25 +15781,39 @@
                   <a:effectLst/>
                   <a:uLnTx/>
                   <a:uFillTx/>
-                  <a:latin typeface="Arial"/>
-                  <a:ea typeface="+mn-ea"/>
-                  <a:cs typeface="Arial"/>
+                  <a:latin typeface="Times New Roman" panose="02020603050405020304" pitchFamily="18" charset="0"/>
+                  <a:cs typeface="Times New Roman" panose="02020603050405020304" pitchFamily="18" charset="0"/>
                 </a:rPr>
-                <a:t>Cor_spp_1_spp_3</a:t>
+                <a:t>ox Bobcat Interaction</a:t>
               </a:r>
-            </a:p>
-          </p:txBody>
-        </p:sp>
-        <p:sp>
-          <p:nvSpPr>
-            <p:cNvPr id="96" name="tx96"/>
-            <p:cNvSpPr/>
-            <p:nvPr/>
-          </p:nvSpPr>
-          <p:spPr>
-            <a:xfrm rot="-2700000">
-              <a:off x="3060441" y="5512141"/>
-              <a:ext cx="1037952" cy="117698"/>
+              <a:endParaRPr kumimoji="0" sz="1800" b="0" i="0" u="none" strike="noStrike" kern="1200" cap="none" spc="0" normalizeH="0" baseline="0" noProof="0" dirty="0">
+                <a:ln>
+                  <a:noFill/>
+                </a:ln>
+                <a:solidFill>
+                  <a:srgbClr val="000000">
+                    <a:alpha val="100000"/>
+                  </a:srgbClr>
+                </a:solidFill>
+                <a:effectLst/>
+                <a:uLnTx/>
+                <a:uFillTx/>
+                <a:latin typeface="Times New Roman" panose="02020603050405020304" pitchFamily="18" charset="0"/>
+                <a:cs typeface="Times New Roman" panose="02020603050405020304" pitchFamily="18" charset="0"/>
+              </a:endParaRPr>
+            </a:p>
+          </p:txBody>
+        </p:sp>
+        <p:sp>
+          <p:nvSpPr>
+            <p:cNvPr id="97" name="tx97"/>
+            <p:cNvSpPr/>
+            <p:nvPr/>
+          </p:nvSpPr>
+          <p:spPr>
+            <a:xfrm rot="18900000">
+              <a:off x="1622888" y="6540002"/>
+              <a:ext cx="1803642" cy="164604"/>
             </a:xfrm>
             <a:prstGeom prst="rect">
               <a:avLst/>
@@ -15884,7 +15842,19 @@
                 <a:defRPr/>
               </a:pPr>
               <a:r>
-                <a:rPr kumimoji="0" sz="1000" b="0" i="0" u="none" strike="noStrike" kern="1200" cap="none" spc="0" normalizeH="0" baseline="0" noProof="0">
+                <a:rPr lang="en-US" sz="1800" dirty="0">
+                  <a:solidFill>
+                    <a:srgbClr val="000000">
+                      <a:alpha val="100000"/>
+                    </a:srgbClr>
+                  </a:solidFill>
+                  <a:latin typeface="Times New Roman" panose="02020603050405020304" pitchFamily="18" charset="0"/>
+                  <a:cs typeface="Times New Roman" panose="02020603050405020304" pitchFamily="18" charset="0"/>
+                </a:rPr>
+                <a:t>Coyote </a:t>
+              </a:r>
+              <a:r>
+                <a:rPr kumimoji="0" sz="1800" b="0" i="0" u="none" strike="noStrike" kern="1200" cap="none" spc="0" normalizeH="0" baseline="0" noProof="0" dirty="0" err="1">
                   <a:ln>
                     <a:noFill/>
                   </a:ln>
@@ -15896,25 +15866,39 @@
                   <a:effectLst/>
                   <a:uLnTx/>
                   <a:uFillTx/>
-                  <a:latin typeface="Arial"/>
-                  <a:ea typeface="+mn-ea"/>
-                  <a:cs typeface="Arial"/>
+                  <a:latin typeface="Times New Roman" panose="02020603050405020304" pitchFamily="18" charset="0"/>
+                  <a:cs typeface="Times New Roman" panose="02020603050405020304" pitchFamily="18" charset="0"/>
                 </a:rPr>
-                <a:t>Cor_spp_2_spp_3</a:t>
+                <a:t>InterIsland</a:t>
               </a:r>
-            </a:p>
-          </p:txBody>
-        </p:sp>
-        <p:sp>
-          <p:nvSpPr>
-            <p:cNvPr id="97" name="tx97"/>
-            <p:cNvSpPr/>
-            <p:nvPr/>
-          </p:nvSpPr>
-          <p:spPr>
-            <a:xfrm rot="-2700000">
-              <a:off x="3345450" y="5528121"/>
-              <a:ext cx="1080306" cy="116520"/>
+              <a:endParaRPr kumimoji="0" sz="1800" b="0" i="0" u="none" strike="noStrike" kern="1200" cap="none" spc="0" normalizeH="0" baseline="0" noProof="0" dirty="0">
+                <a:ln>
+                  <a:noFill/>
+                </a:ln>
+                <a:solidFill>
+                  <a:srgbClr val="000000">
+                    <a:alpha val="100000"/>
+                  </a:srgbClr>
+                </a:solidFill>
+                <a:effectLst/>
+                <a:uLnTx/>
+                <a:uFillTx/>
+                <a:latin typeface="Times New Roman" panose="02020603050405020304" pitchFamily="18" charset="0"/>
+                <a:cs typeface="Times New Roman" panose="02020603050405020304" pitchFamily="18" charset="0"/>
+              </a:endParaRPr>
+            </a:p>
+          </p:txBody>
+        </p:sp>
+        <p:sp>
+          <p:nvSpPr>
+            <p:cNvPr id="98" name="tx98"/>
+            <p:cNvSpPr/>
+            <p:nvPr/>
+          </p:nvSpPr>
+          <p:spPr>
+            <a:xfrm rot="18900000">
+              <a:off x="2158389" y="6540002"/>
+              <a:ext cx="1803642" cy="164604"/>
             </a:xfrm>
             <a:prstGeom prst="rect">
               <a:avLst/>
@@ -15943,7 +15927,19 @@
                 <a:defRPr/>
               </a:pPr>
               <a:r>
-                <a:rPr kumimoji="0" sz="1000" b="0" i="0" u="none" strike="noStrike" kern="1200" cap="none" spc="0" normalizeH="0" baseline="0" noProof="0">
+                <a:rPr lang="en-US" sz="1800" dirty="0">
+                  <a:solidFill>
+                    <a:srgbClr val="000000">
+                      <a:alpha val="100000"/>
+                    </a:srgbClr>
+                  </a:solidFill>
+                  <a:latin typeface="Times New Roman" panose="02020603050405020304" pitchFamily="18" charset="0"/>
+                  <a:cs typeface="Times New Roman" panose="02020603050405020304" pitchFamily="18" charset="0"/>
+                </a:rPr>
+                <a:t>Coyote</a:t>
+              </a:r>
+              <a:r>
+                <a:rPr kumimoji="0" lang="en-US" sz="1800" b="0" i="0" u="none" strike="noStrike" kern="1200" cap="none" spc="0" normalizeH="0" baseline="0" noProof="0" dirty="0">
                   <a:ln>
                     <a:noFill/>
                   </a:ln>
@@ -15955,54 +15951,13 @@
                   <a:effectLst/>
                   <a:uLnTx/>
                   <a:uFillTx/>
-                  <a:latin typeface="Arial"/>
-                  <a:ea typeface="+mn-ea"/>
-                  <a:cs typeface="Arial"/>
+                  <a:latin typeface="Times New Roman" panose="02020603050405020304" pitchFamily="18" charset="0"/>
+                  <a:cs typeface="Times New Roman" panose="02020603050405020304" pitchFamily="18" charset="0"/>
                 </a:rPr>
-                <a:t>spp_1_Inter_Island</a:t>
+                <a:t> </a:t>
               </a:r>
-            </a:p>
-          </p:txBody>
-        </p:sp>
-        <p:sp>
-          <p:nvSpPr>
-            <p:cNvPr id="98" name="tx98"/>
-            <p:cNvSpPr/>
-            <p:nvPr/>
-          </p:nvSpPr>
-          <p:spPr>
-            <a:xfrm rot="-2700000">
-              <a:off x="3666193" y="5528121"/>
-              <a:ext cx="1080306" cy="116520"/>
-            </a:xfrm>
-            <a:prstGeom prst="rect">
-              <a:avLst/>
-            </a:prstGeom>
-            <a:noFill/>
-          </p:spPr>
-          <p:txBody>
-            <a:bodyPr wrap="none" lIns="0" tIns="0" rIns="0" bIns="0" anchor="ctr" anchorCtr="1"/>
-            <a:lstStyle/>
-            <a:p>
-              <a:pPr marL="0" marR="0" lvl="0" indent="0" algn="l" defTabSz="995964" rtl="0" eaLnBrk="1" fontAlgn="auto" latinLnBrk="0" hangingPunct="1">
-                <a:lnSpc>
-                  <a:spcPts val="1000"/>
-                </a:lnSpc>
-                <a:spcBef>
-                  <a:spcPts val="0"/>
-                </a:spcBef>
-                <a:spcAft>
-                  <a:spcPts val="0"/>
-                </a:spcAft>
-                <a:buClrTx/>
-                <a:buSzTx/>
-                <a:buFontTx/>
-                <a:buNone/>
-                <a:tabLst/>
-                <a:defRPr/>
-              </a:pPr>
               <a:r>
-                <a:rPr kumimoji="0" sz="1000" b="0" i="0" u="none" strike="noStrike" kern="1200" cap="none" spc="0" normalizeH="0" baseline="0" noProof="0">
+                <a:rPr kumimoji="0" lang="en-US" sz="1800" b="0" i="0" u="none" strike="noStrike" kern="1200" cap="none" spc="0" normalizeH="0" baseline="0" noProof="0" dirty="0" err="1">
                   <a:ln>
                     <a:noFill/>
                   </a:ln>
@@ -16014,54 +15969,13 @@
                   <a:effectLst/>
                   <a:uLnTx/>
                   <a:uFillTx/>
-                  <a:latin typeface="Arial"/>
-                  <a:ea typeface="+mn-ea"/>
-                  <a:cs typeface="Arial"/>
+                  <a:latin typeface="Times New Roman" panose="02020603050405020304" pitchFamily="18" charset="0"/>
+                  <a:cs typeface="Times New Roman" panose="02020603050405020304" pitchFamily="18" charset="0"/>
                 </a:rPr>
-                <a:t>spp_1_Intra_Island</a:t>
+                <a:t>I</a:t>
               </a:r>
-            </a:p>
-          </p:txBody>
-        </p:sp>
-        <p:sp>
-          <p:nvSpPr>
-            <p:cNvPr id="99" name="tx99"/>
-            <p:cNvSpPr/>
-            <p:nvPr/>
-          </p:nvSpPr>
-          <p:spPr>
-            <a:xfrm rot="-2700000">
-              <a:off x="4113492" y="5475699"/>
-              <a:ext cx="932036" cy="116520"/>
-            </a:xfrm>
-            <a:prstGeom prst="rect">
-              <a:avLst/>
-            </a:prstGeom>
-            <a:noFill/>
-          </p:spPr>
-          <p:txBody>
-            <a:bodyPr wrap="none" lIns="0" tIns="0" rIns="0" bIns="0" anchor="ctr" anchorCtr="1"/>
-            <a:lstStyle/>
-            <a:p>
-              <a:pPr marL="0" marR="0" lvl="0" indent="0" algn="l" defTabSz="995964" rtl="0" eaLnBrk="1" fontAlgn="auto" latinLnBrk="0" hangingPunct="1">
-                <a:lnSpc>
-                  <a:spcPts val="1000"/>
-                </a:lnSpc>
-                <a:spcBef>
-                  <a:spcPts val="0"/>
-                </a:spcBef>
-                <a:spcAft>
-                  <a:spcPts val="0"/>
-                </a:spcAft>
-                <a:buClrTx/>
-                <a:buSzTx/>
-                <a:buFontTx/>
-                <a:buNone/>
-                <a:tabLst/>
-                <a:defRPr/>
-              </a:pPr>
               <a:r>
-                <a:rPr kumimoji="0" sz="1000" b="0" i="0" u="none" strike="noStrike" kern="1200" cap="none" spc="0" normalizeH="0" baseline="0" noProof="0">
+                <a:rPr kumimoji="0" sz="1800" b="0" i="0" u="none" strike="noStrike" kern="1200" cap="none" spc="0" normalizeH="0" baseline="0" noProof="0" dirty="0" err="1">
                   <a:ln>
                     <a:noFill/>
                   </a:ln>
@@ -16073,25 +15987,39 @@
                   <a:effectLst/>
                   <a:uLnTx/>
                   <a:uFillTx/>
-                  <a:latin typeface="Arial"/>
-                  <a:ea typeface="+mn-ea"/>
-                  <a:cs typeface="Arial"/>
+                  <a:latin typeface="Times New Roman" panose="02020603050405020304" pitchFamily="18" charset="0"/>
+                  <a:cs typeface="Times New Roman" panose="02020603050405020304" pitchFamily="18" charset="0"/>
                 </a:rPr>
-                <a:t>spp_1_Mainland</a:t>
+                <a:t>ntraIsland</a:t>
               </a:r>
-            </a:p>
-          </p:txBody>
-        </p:sp>
-        <p:sp>
-          <p:nvSpPr>
-            <p:cNvPr id="100" name="tx100"/>
-            <p:cNvSpPr/>
-            <p:nvPr/>
-          </p:nvSpPr>
-          <p:spPr>
-            <a:xfrm rot="-2700000">
-              <a:off x="4307679" y="5528121"/>
-              <a:ext cx="1080306" cy="116520"/>
+              <a:endParaRPr kumimoji="0" sz="1800" b="0" i="0" u="none" strike="noStrike" kern="1200" cap="none" spc="0" normalizeH="0" baseline="0" noProof="0" dirty="0">
+                <a:ln>
+                  <a:noFill/>
+                </a:ln>
+                <a:solidFill>
+                  <a:srgbClr val="000000">
+                    <a:alpha val="100000"/>
+                  </a:srgbClr>
+                </a:solidFill>
+                <a:effectLst/>
+                <a:uLnTx/>
+                <a:uFillTx/>
+                <a:latin typeface="Times New Roman" panose="02020603050405020304" pitchFamily="18" charset="0"/>
+                <a:cs typeface="Times New Roman" panose="02020603050405020304" pitchFamily="18" charset="0"/>
+              </a:endParaRPr>
+            </a:p>
+          </p:txBody>
+        </p:sp>
+        <p:sp>
+          <p:nvSpPr>
+            <p:cNvPr id="99" name="tx99"/>
+            <p:cNvSpPr/>
+            <p:nvPr/>
+          </p:nvSpPr>
+          <p:spPr>
+            <a:xfrm rot="18900000">
+              <a:off x="2905184" y="6465947"/>
+              <a:ext cx="1556095" cy="164604"/>
             </a:xfrm>
             <a:prstGeom prst="rect">
               <a:avLst/>
@@ -16120,7 +16048,19 @@
                 <a:defRPr/>
               </a:pPr>
               <a:r>
-                <a:rPr kumimoji="0" sz="1000" b="0" i="0" u="none" strike="noStrike" kern="1200" cap="none" spc="0" normalizeH="0" baseline="0" noProof="0">
+                <a:rPr lang="en-US" sz="1800" dirty="0">
+                  <a:solidFill>
+                    <a:srgbClr val="000000">
+                      <a:alpha val="100000"/>
+                    </a:srgbClr>
+                  </a:solidFill>
+                  <a:latin typeface="Times New Roman" panose="02020603050405020304" pitchFamily="18" charset="0"/>
+                  <a:cs typeface="Times New Roman" panose="02020603050405020304" pitchFamily="18" charset="0"/>
+                </a:rPr>
+                <a:t>Coyote </a:t>
+              </a:r>
+              <a:r>
+                <a:rPr kumimoji="0" sz="1800" b="0" i="0" u="none" strike="noStrike" kern="1200" cap="none" spc="0" normalizeH="0" baseline="0" noProof="0" dirty="0">
                   <a:ln>
                     <a:noFill/>
                   </a:ln>
@@ -16132,25 +16072,24 @@
                   <a:effectLst/>
                   <a:uLnTx/>
                   <a:uFillTx/>
-                  <a:latin typeface="Arial"/>
-                  <a:ea typeface="+mn-ea"/>
-                  <a:cs typeface="Arial"/>
+                  <a:latin typeface="Times New Roman" panose="02020603050405020304" pitchFamily="18" charset="0"/>
+                  <a:cs typeface="Times New Roman" panose="02020603050405020304" pitchFamily="18" charset="0"/>
                 </a:rPr>
-                <a:t>spp_2_Inter_Island</a:t>
+                <a:t>Mainland</a:t>
               </a:r>
             </a:p>
           </p:txBody>
         </p:sp>
         <p:sp>
           <p:nvSpPr>
-            <p:cNvPr id="101" name="tx101"/>
-            <p:cNvSpPr/>
-            <p:nvPr/>
-          </p:nvSpPr>
-          <p:spPr>
-            <a:xfrm rot="-2700000">
-              <a:off x="4628422" y="5528121"/>
-              <a:ext cx="1080306" cy="116520"/>
+            <p:cNvPr id="100" name="tx100"/>
+            <p:cNvSpPr/>
+            <p:nvPr/>
+          </p:nvSpPr>
+          <p:spPr>
+            <a:xfrm rot="18900000">
+              <a:off x="3229392" y="6540002"/>
+              <a:ext cx="1803642" cy="164604"/>
             </a:xfrm>
             <a:prstGeom prst="rect">
               <a:avLst/>
@@ -16179,7 +16118,19 @@
                 <a:defRPr/>
               </a:pPr>
               <a:r>
-                <a:rPr kumimoji="0" sz="1000" b="0" i="0" u="none" strike="noStrike" kern="1200" cap="none" spc="0" normalizeH="0" baseline="0" noProof="0">
+                <a:rPr lang="en-US" sz="1800" dirty="0">
+                  <a:solidFill>
+                    <a:srgbClr val="000000">
+                      <a:alpha val="100000"/>
+                    </a:srgbClr>
+                  </a:solidFill>
+                  <a:latin typeface="Times New Roman" panose="02020603050405020304" pitchFamily="18" charset="0"/>
+                  <a:cs typeface="Times New Roman" panose="02020603050405020304" pitchFamily="18" charset="0"/>
+                </a:rPr>
+                <a:t>Fox </a:t>
+              </a:r>
+              <a:r>
+                <a:rPr kumimoji="0" sz="1800" b="0" i="0" u="none" strike="noStrike" kern="1200" cap="none" spc="0" normalizeH="0" baseline="0" noProof="0" dirty="0" err="1">
                   <a:ln>
                     <a:noFill/>
                   </a:ln>
@@ -16191,25 +16142,39 @@
                   <a:effectLst/>
                   <a:uLnTx/>
                   <a:uFillTx/>
-                  <a:latin typeface="Arial"/>
-                  <a:ea typeface="+mn-ea"/>
-                  <a:cs typeface="Arial"/>
+                  <a:latin typeface="Times New Roman" panose="02020603050405020304" pitchFamily="18" charset="0"/>
+                  <a:cs typeface="Times New Roman" panose="02020603050405020304" pitchFamily="18" charset="0"/>
                 </a:rPr>
-                <a:t>spp_2_Intra_Island</a:t>
+                <a:t>InterIsland</a:t>
               </a:r>
-            </a:p>
-          </p:txBody>
-        </p:sp>
-        <p:sp>
-          <p:nvSpPr>
-            <p:cNvPr id="102" name="tx102"/>
-            <p:cNvSpPr/>
-            <p:nvPr/>
-          </p:nvSpPr>
-          <p:spPr>
-            <a:xfrm rot="-2700000">
-              <a:off x="5075722" y="5475699"/>
-              <a:ext cx="932036" cy="116520"/>
+              <a:endParaRPr kumimoji="0" sz="1800" b="0" i="0" u="none" strike="noStrike" kern="1200" cap="none" spc="0" normalizeH="0" baseline="0" noProof="0" dirty="0">
+                <a:ln>
+                  <a:noFill/>
+                </a:ln>
+                <a:solidFill>
+                  <a:srgbClr val="000000">
+                    <a:alpha val="100000"/>
+                  </a:srgbClr>
+                </a:solidFill>
+                <a:effectLst/>
+                <a:uLnTx/>
+                <a:uFillTx/>
+                <a:latin typeface="Times New Roman" panose="02020603050405020304" pitchFamily="18" charset="0"/>
+                <a:cs typeface="Times New Roman" panose="02020603050405020304" pitchFamily="18" charset="0"/>
+              </a:endParaRPr>
+            </a:p>
+          </p:txBody>
+        </p:sp>
+        <p:sp>
+          <p:nvSpPr>
+            <p:cNvPr id="101" name="tx101"/>
+            <p:cNvSpPr/>
+            <p:nvPr/>
+          </p:nvSpPr>
+          <p:spPr>
+            <a:xfrm rot="18900000">
+              <a:off x="3764894" y="6540002"/>
+              <a:ext cx="1803642" cy="164604"/>
             </a:xfrm>
             <a:prstGeom prst="rect">
               <a:avLst/>
@@ -16238,7 +16203,19 @@
                 <a:defRPr/>
               </a:pPr>
               <a:r>
-                <a:rPr kumimoji="0" sz="1000" b="0" i="0" u="none" strike="noStrike" kern="1200" cap="none" spc="0" normalizeH="0" baseline="0" noProof="0">
+                <a:rPr lang="en-US" sz="1800" dirty="0">
+                  <a:solidFill>
+                    <a:srgbClr val="000000">
+                      <a:alpha val="100000"/>
+                    </a:srgbClr>
+                  </a:solidFill>
+                  <a:latin typeface="Times New Roman" panose="02020603050405020304" pitchFamily="18" charset="0"/>
+                  <a:cs typeface="Times New Roman" panose="02020603050405020304" pitchFamily="18" charset="0"/>
+                </a:rPr>
+                <a:t>Fox </a:t>
+              </a:r>
+              <a:r>
+                <a:rPr kumimoji="0" sz="1800" b="0" i="0" u="none" strike="noStrike" kern="1200" cap="none" spc="0" normalizeH="0" baseline="0" noProof="0" dirty="0" err="1">
                   <a:ln>
                     <a:noFill/>
                   </a:ln>
@@ -16250,25 +16227,39 @@
                   <a:effectLst/>
                   <a:uLnTx/>
                   <a:uFillTx/>
-                  <a:latin typeface="Arial"/>
-                  <a:ea typeface="+mn-ea"/>
-                  <a:cs typeface="Arial"/>
+                  <a:latin typeface="Times New Roman" panose="02020603050405020304" pitchFamily="18" charset="0"/>
+                  <a:cs typeface="Times New Roman" panose="02020603050405020304" pitchFamily="18" charset="0"/>
                 </a:rPr>
-                <a:t>spp_2_Mainland</a:t>
+                <a:t>IntraIsland</a:t>
               </a:r>
-            </a:p>
-          </p:txBody>
-        </p:sp>
-        <p:sp>
-          <p:nvSpPr>
-            <p:cNvPr id="103" name="tx103"/>
-            <p:cNvSpPr/>
-            <p:nvPr/>
-          </p:nvSpPr>
-          <p:spPr>
-            <a:xfrm rot="-2700000">
-              <a:off x="5269909" y="5528121"/>
-              <a:ext cx="1080306" cy="116520"/>
+              <a:endParaRPr kumimoji="0" sz="1800" b="0" i="0" u="none" strike="noStrike" kern="1200" cap="none" spc="0" normalizeH="0" baseline="0" noProof="0" dirty="0">
+                <a:ln>
+                  <a:noFill/>
+                </a:ln>
+                <a:solidFill>
+                  <a:srgbClr val="000000">
+                    <a:alpha val="100000"/>
+                  </a:srgbClr>
+                </a:solidFill>
+                <a:effectLst/>
+                <a:uLnTx/>
+                <a:uFillTx/>
+                <a:latin typeface="Times New Roman" panose="02020603050405020304" pitchFamily="18" charset="0"/>
+                <a:cs typeface="Times New Roman" panose="02020603050405020304" pitchFamily="18" charset="0"/>
+              </a:endParaRPr>
+            </a:p>
+          </p:txBody>
+        </p:sp>
+        <p:sp>
+          <p:nvSpPr>
+            <p:cNvPr id="102" name="tx102"/>
+            <p:cNvSpPr/>
+            <p:nvPr/>
+          </p:nvSpPr>
+          <p:spPr>
+            <a:xfrm rot="18900000">
+              <a:off x="4511690" y="6465947"/>
+              <a:ext cx="1556095" cy="164604"/>
             </a:xfrm>
             <a:prstGeom prst="rect">
               <a:avLst/>
@@ -16297,7 +16288,19 @@
                 <a:defRPr/>
               </a:pPr>
               <a:r>
-                <a:rPr kumimoji="0" sz="1000" b="0" i="0" u="none" strike="noStrike" kern="1200" cap="none" spc="0" normalizeH="0" baseline="0" noProof="0">
+                <a:rPr lang="en-US" sz="1800" dirty="0">
+                  <a:solidFill>
+                    <a:srgbClr val="000000">
+                      <a:alpha val="100000"/>
+                    </a:srgbClr>
+                  </a:solidFill>
+                  <a:latin typeface="Times New Roman" panose="02020603050405020304" pitchFamily="18" charset="0"/>
+                  <a:cs typeface="Times New Roman" panose="02020603050405020304" pitchFamily="18" charset="0"/>
+                </a:rPr>
+                <a:t>Fox </a:t>
+              </a:r>
+              <a:r>
+                <a:rPr kumimoji="0" sz="1800" b="0" i="0" u="none" strike="noStrike" kern="1200" cap="none" spc="0" normalizeH="0" baseline="0" noProof="0" dirty="0">
                   <a:ln>
                     <a:noFill/>
                   </a:ln>
@@ -16309,25 +16312,24 @@
                   <a:effectLst/>
                   <a:uLnTx/>
                   <a:uFillTx/>
-                  <a:latin typeface="Arial"/>
-                  <a:ea typeface="+mn-ea"/>
-                  <a:cs typeface="Arial"/>
+                  <a:latin typeface="Times New Roman" panose="02020603050405020304" pitchFamily="18" charset="0"/>
+                  <a:cs typeface="Times New Roman" panose="02020603050405020304" pitchFamily="18" charset="0"/>
                 </a:rPr>
-                <a:t>spp_3_Inter_Island</a:t>
+                <a:t>Mainland</a:t>
               </a:r>
             </a:p>
           </p:txBody>
         </p:sp>
         <p:sp>
           <p:nvSpPr>
-            <p:cNvPr id="104" name="tx104"/>
-            <p:cNvSpPr/>
-            <p:nvPr/>
-          </p:nvSpPr>
-          <p:spPr>
-            <a:xfrm rot="-2700000">
-              <a:off x="5590652" y="5528121"/>
-              <a:ext cx="1080306" cy="116520"/>
+            <p:cNvPr id="103" name="tx103"/>
+            <p:cNvSpPr/>
+            <p:nvPr/>
+          </p:nvSpPr>
+          <p:spPr>
+            <a:xfrm rot="18900000">
+              <a:off x="4835898" y="6540002"/>
+              <a:ext cx="1803642" cy="164604"/>
             </a:xfrm>
             <a:prstGeom prst="rect">
               <a:avLst/>
@@ -16356,7 +16358,19 @@
                 <a:defRPr/>
               </a:pPr>
               <a:r>
-                <a:rPr kumimoji="0" sz="1000" b="0" i="0" u="none" strike="noStrike" kern="1200" cap="none" spc="0" normalizeH="0" baseline="0" noProof="0">
+                <a:rPr lang="en-US" sz="1800" dirty="0">
+                  <a:solidFill>
+                    <a:srgbClr val="000000">
+                      <a:alpha val="100000"/>
+                    </a:srgbClr>
+                  </a:solidFill>
+                  <a:latin typeface="Times New Roman" panose="02020603050405020304" pitchFamily="18" charset="0"/>
+                  <a:cs typeface="Times New Roman" panose="02020603050405020304" pitchFamily="18" charset="0"/>
+                </a:rPr>
+                <a:t>Bobcat</a:t>
+              </a:r>
+              <a:r>
+                <a:rPr kumimoji="0" lang="en-US" sz="1800" b="0" i="0" u="none" strike="noStrike" kern="1200" cap="none" spc="0" normalizeH="0" baseline="0" noProof="0" dirty="0">
                   <a:ln>
                     <a:noFill/>
                   </a:ln>
@@ -16368,54 +16382,13 @@
                   <a:effectLst/>
                   <a:uLnTx/>
                   <a:uFillTx/>
-                  <a:latin typeface="Arial"/>
-                  <a:ea typeface="+mn-ea"/>
-                  <a:cs typeface="Arial"/>
+                  <a:latin typeface="Times New Roman" panose="02020603050405020304" pitchFamily="18" charset="0"/>
+                  <a:cs typeface="Times New Roman" panose="02020603050405020304" pitchFamily="18" charset="0"/>
                 </a:rPr>
-                <a:t>spp_3_Intra_Island</a:t>
+                <a:t> </a:t>
               </a:r>
-            </a:p>
-          </p:txBody>
-        </p:sp>
-        <p:sp>
-          <p:nvSpPr>
-            <p:cNvPr id="105" name="tx105"/>
-            <p:cNvSpPr/>
-            <p:nvPr/>
-          </p:nvSpPr>
-          <p:spPr>
-            <a:xfrm rot="-2700000">
-              <a:off x="6037951" y="5475699"/>
-              <a:ext cx="932036" cy="116520"/>
-            </a:xfrm>
-            <a:prstGeom prst="rect">
-              <a:avLst/>
-            </a:prstGeom>
-            <a:noFill/>
-          </p:spPr>
-          <p:txBody>
-            <a:bodyPr wrap="none" lIns="0" tIns="0" rIns="0" bIns="0" anchor="ctr" anchorCtr="1"/>
-            <a:lstStyle/>
-            <a:p>
-              <a:pPr marL="0" marR="0" lvl="0" indent="0" algn="l" defTabSz="995964" rtl="0" eaLnBrk="1" fontAlgn="auto" latinLnBrk="0" hangingPunct="1">
-                <a:lnSpc>
-                  <a:spcPts val="1000"/>
-                </a:lnSpc>
-                <a:spcBef>
-                  <a:spcPts val="0"/>
-                </a:spcBef>
-                <a:spcAft>
-                  <a:spcPts val="0"/>
-                </a:spcAft>
-                <a:buClrTx/>
-                <a:buSzTx/>
-                <a:buFontTx/>
-                <a:buNone/>
-                <a:tabLst/>
-                <a:defRPr/>
-              </a:pPr>
               <a:r>
-                <a:rPr kumimoji="0" sz="1000" b="0" i="0" u="none" strike="noStrike" kern="1200" cap="none" spc="0" normalizeH="0" baseline="0" noProof="0">
+                <a:rPr kumimoji="0" sz="1800" b="0" i="0" u="none" strike="noStrike" kern="1200" cap="none" spc="0" normalizeH="0" baseline="0" noProof="0" dirty="0" err="1">
                   <a:ln>
                     <a:noFill/>
                   </a:ln>
@@ -16427,25 +16400,39 @@
                   <a:effectLst/>
                   <a:uLnTx/>
                   <a:uFillTx/>
-                  <a:latin typeface="Arial"/>
-                  <a:ea typeface="+mn-ea"/>
-                  <a:cs typeface="Arial"/>
+                  <a:latin typeface="Times New Roman" panose="02020603050405020304" pitchFamily="18" charset="0"/>
+                  <a:cs typeface="Times New Roman" panose="02020603050405020304" pitchFamily="18" charset="0"/>
                 </a:rPr>
-                <a:t>spp_3_Mainland</a:t>
+                <a:t>InterIsland</a:t>
               </a:r>
-            </a:p>
-          </p:txBody>
-        </p:sp>
-        <p:sp>
-          <p:nvSpPr>
-            <p:cNvPr id="106" name="tx106"/>
-            <p:cNvSpPr/>
-            <p:nvPr/>
-          </p:nvSpPr>
-          <p:spPr>
-            <a:xfrm>
-              <a:off x="4727971" y="6039011"/>
-              <a:ext cx="636699" cy="125511"/>
+              <a:endParaRPr kumimoji="0" sz="1800" b="0" i="0" u="none" strike="noStrike" kern="1200" cap="none" spc="0" normalizeH="0" baseline="0" noProof="0" dirty="0">
+                <a:ln>
+                  <a:noFill/>
+                </a:ln>
+                <a:solidFill>
+                  <a:srgbClr val="000000">
+                    <a:alpha val="100000"/>
+                  </a:srgbClr>
+                </a:solidFill>
+                <a:effectLst/>
+                <a:uLnTx/>
+                <a:uFillTx/>
+                <a:latin typeface="Times New Roman" panose="02020603050405020304" pitchFamily="18" charset="0"/>
+                <a:cs typeface="Times New Roman" panose="02020603050405020304" pitchFamily="18" charset="0"/>
+              </a:endParaRPr>
+            </a:p>
+          </p:txBody>
+        </p:sp>
+        <p:sp>
+          <p:nvSpPr>
+            <p:cNvPr id="104" name="tx104"/>
+            <p:cNvSpPr/>
+            <p:nvPr/>
+          </p:nvSpPr>
+          <p:spPr>
+            <a:xfrm rot="18900000">
+              <a:off x="5371400" y="6540002"/>
+              <a:ext cx="1803642" cy="164604"/>
             </a:xfrm>
             <a:prstGeom prst="rect">
               <a:avLst/>
@@ -16458,7 +16445,7 @@
             <a:p>
               <a:pPr marL="0" marR="0" lvl="0" indent="0" algn="l" defTabSz="995964" rtl="0" eaLnBrk="1" fontAlgn="auto" latinLnBrk="0" hangingPunct="1">
                 <a:lnSpc>
-                  <a:spcPts val="1100"/>
+                  <a:spcPts val="1000"/>
                 </a:lnSpc>
                 <a:spcBef>
                   <a:spcPts val="0"/>
@@ -16474,7 +16461,19 @@
                 <a:defRPr/>
               </a:pPr>
               <a:r>
-                <a:rPr kumimoji="0" sz="1100" b="0" i="0" u="none" strike="noStrike" kern="1200" cap="none" spc="0" normalizeH="0" baseline="0" noProof="0">
+                <a:rPr lang="en-US" sz="1800" dirty="0">
+                  <a:solidFill>
+                    <a:srgbClr val="000000">
+                      <a:alpha val="100000"/>
+                    </a:srgbClr>
+                  </a:solidFill>
+                  <a:latin typeface="Times New Roman" panose="02020603050405020304" pitchFamily="18" charset="0"/>
+                  <a:cs typeface="Times New Roman" panose="02020603050405020304" pitchFamily="18" charset="0"/>
+                </a:rPr>
+                <a:t>Bobcat</a:t>
+              </a:r>
+              <a:r>
+                <a:rPr kumimoji="0" lang="en-US" sz="1800" b="0" i="0" u="none" strike="noStrike" kern="1200" cap="none" spc="0" normalizeH="0" baseline="0" noProof="0" dirty="0">
                   <a:ln>
                     <a:noFill/>
                   </a:ln>
@@ -16486,54 +16485,13 @@
                   <a:effectLst/>
                   <a:uLnTx/>
                   <a:uFillTx/>
-                  <a:latin typeface="Arial"/>
-                  <a:ea typeface="+mn-ea"/>
-                  <a:cs typeface="Arial"/>
+                  <a:latin typeface="Times New Roman" panose="02020603050405020304" pitchFamily="18" charset="0"/>
+                  <a:cs typeface="Times New Roman" panose="02020603050405020304" pitchFamily="18" charset="0"/>
                 </a:rPr>
-                <a:t>parameter</a:t>
+                <a:t> </a:t>
               </a:r>
-            </a:p>
-          </p:txBody>
-        </p:sp>
-        <p:sp>
-          <p:nvSpPr>
-            <p:cNvPr id="107" name="tx107"/>
-            <p:cNvSpPr/>
-            <p:nvPr/>
-          </p:nvSpPr>
-          <p:spPr>
-            <a:xfrm rot="-5400000">
-              <a:off x="2562429" y="3193416"/>
-              <a:ext cx="333970" cy="101637"/>
-            </a:xfrm>
-            <a:prstGeom prst="rect">
-              <a:avLst/>
-            </a:prstGeom>
-            <a:noFill/>
-          </p:spPr>
-          <p:txBody>
-            <a:bodyPr wrap="none" lIns="0" tIns="0" rIns="0" bIns="0" anchor="ctr" anchorCtr="1"/>
-            <a:lstStyle/>
-            <a:p>
-              <a:pPr marL="0" marR="0" lvl="0" indent="0" algn="l" defTabSz="995964" rtl="0" eaLnBrk="1" fontAlgn="auto" latinLnBrk="0" hangingPunct="1">
-                <a:lnSpc>
-                  <a:spcPts val="1100"/>
-                </a:lnSpc>
-                <a:spcBef>
-                  <a:spcPts val="0"/>
-                </a:spcBef>
-                <a:spcAft>
-                  <a:spcPts val="0"/>
-                </a:spcAft>
-                <a:buClrTx/>
-                <a:buSzTx/>
-                <a:buFontTx/>
-                <a:buNone/>
-                <a:tabLst/>
-                <a:defRPr/>
-              </a:pPr>
               <a:r>
-                <a:rPr kumimoji="0" sz="1100" b="0" i="0" u="none" strike="noStrike" kern="1200" cap="none" spc="0" normalizeH="0" baseline="0" noProof="0">
+                <a:rPr kumimoji="0" sz="1800" b="0" i="0" u="none" strike="noStrike" kern="1200" cap="none" spc="0" normalizeH="0" baseline="0" noProof="0" dirty="0" err="1">
                   <a:ln>
                     <a:noFill/>
                   </a:ln>
@@ -16545,83 +16503,39 @@
                   <a:effectLst/>
                   <a:uLnTx/>
                   <a:uFillTx/>
-                  <a:latin typeface="Arial"/>
-                  <a:ea typeface="+mn-ea"/>
-                  <a:cs typeface="Arial"/>
+                  <a:latin typeface="Times New Roman" panose="02020603050405020304" pitchFamily="18" charset="0"/>
+                  <a:cs typeface="Times New Roman" panose="02020603050405020304" pitchFamily="18" charset="0"/>
                 </a:rPr>
-                <a:t>value</a:t>
+                <a:t>IntraIsland</a:t>
               </a:r>
-            </a:p>
-          </p:txBody>
-        </p:sp>
-        <p:sp>
-          <p:nvSpPr>
-            <p:cNvPr id="108" name="rc108"/>
-            <p:cNvSpPr/>
-            <p:nvPr/>
-          </p:nvSpPr>
-          <p:spPr>
-            <a:xfrm>
-              <a:off x="7142031" y="2958686"/>
-              <a:ext cx="875898" cy="571098"/>
-            </a:xfrm>
-            <a:prstGeom prst="rect">
-              <a:avLst/>
-            </a:prstGeom>
-            <a:solidFill>
-              <a:srgbClr val="FFFFFF">
-                <a:alpha val="100000"/>
-              </a:srgbClr>
-            </a:solidFill>
-          </p:spPr>
-          <p:txBody>
-            <a:bodyPr/>
-            <a:lstStyle/>
-            <a:p>
-              <a:pPr marL="0" marR="0" lvl="0" indent="0" algn="l" defTabSz="995964" rtl="0" eaLnBrk="1" fontAlgn="auto" latinLnBrk="0" hangingPunct="1">
-                <a:lnSpc>
-                  <a:spcPct val="100000"/>
-                </a:lnSpc>
-                <a:spcBef>
-                  <a:spcPts val="0"/>
-                </a:spcBef>
-                <a:spcAft>
-                  <a:spcPts val="0"/>
-                </a:spcAft>
-                <a:buClrTx/>
-                <a:buSzTx/>
-                <a:buFontTx/>
-                <a:buNone/>
-                <a:tabLst/>
-                <a:defRPr/>
-              </a:pPr>
-              <a:endParaRPr kumimoji="0" sz="2000" b="0" i="0" u="none" strike="noStrike" kern="1200" cap="none" spc="0" normalizeH="0" baseline="0" noProof="0">
+              <a:endParaRPr kumimoji="0" sz="1800" b="0" i="0" u="none" strike="noStrike" kern="1200" cap="none" spc="0" normalizeH="0" baseline="0" noProof="0" dirty="0">
                 <a:ln>
                   <a:noFill/>
                 </a:ln>
                 <a:solidFill>
-                  <a:prstClr val="black"/>
+                  <a:srgbClr val="000000">
+                    <a:alpha val="100000"/>
+                  </a:srgbClr>
                 </a:solidFill>
                 <a:effectLst/>
                 <a:uLnTx/>
                 <a:uFillTx/>
-                <a:latin typeface="Calibri"/>
-                <a:ea typeface="+mn-ea"/>
-                <a:cs typeface="+mn-cs"/>
+                <a:latin typeface="Times New Roman" panose="02020603050405020304" pitchFamily="18" charset="0"/>
+                <a:cs typeface="Times New Roman" panose="02020603050405020304" pitchFamily="18" charset="0"/>
               </a:endParaRPr>
             </a:p>
           </p:txBody>
         </p:sp>
         <p:sp>
           <p:nvSpPr>
-            <p:cNvPr id="109" name="tx109"/>
-            <p:cNvSpPr/>
-            <p:nvPr/>
-          </p:nvSpPr>
-          <p:spPr>
-            <a:xfrm>
-              <a:off x="7211620" y="3021949"/>
-              <a:ext cx="302933" cy="127762"/>
+            <p:cNvPr id="105" name="tx105"/>
+            <p:cNvSpPr/>
+            <p:nvPr/>
+          </p:nvSpPr>
+          <p:spPr>
+            <a:xfrm rot="18900000">
+              <a:off x="6118195" y="6465947"/>
+              <a:ext cx="1556095" cy="164604"/>
             </a:xfrm>
             <a:prstGeom prst="rect">
               <a:avLst/>
@@ -16634,7 +16548,7 @@
             <a:p>
               <a:pPr marL="0" marR="0" lvl="0" indent="0" algn="l" defTabSz="995964" rtl="0" eaLnBrk="1" fontAlgn="auto" latinLnBrk="0" hangingPunct="1">
                 <a:lnSpc>
-                  <a:spcPts val="1100"/>
+                  <a:spcPts val="1000"/>
                 </a:lnSpc>
                 <a:spcBef>
                   <a:spcPts val="0"/>
@@ -16650,7 +16564,19 @@
                 <a:defRPr/>
               </a:pPr>
               <a:r>
-                <a:rPr kumimoji="0" sz="1100" b="0" i="0" u="none" strike="noStrike" kern="1200" cap="none" spc="0" normalizeH="0" baseline="0" noProof="0">
+                <a:rPr lang="en-US" sz="1800" dirty="0">
+                  <a:solidFill>
+                    <a:srgbClr val="000000">
+                      <a:alpha val="100000"/>
+                    </a:srgbClr>
+                  </a:solidFill>
+                  <a:latin typeface="Times New Roman" panose="02020603050405020304" pitchFamily="18" charset="0"/>
+                  <a:cs typeface="Times New Roman" panose="02020603050405020304" pitchFamily="18" charset="0"/>
+                </a:rPr>
+                <a:t>Bobcat</a:t>
+              </a:r>
+              <a:r>
+                <a:rPr kumimoji="0" lang="en-US" sz="1800" b="0" i="0" u="none" strike="noStrike" kern="1200" cap="none" spc="0" normalizeH="0" baseline="0" noProof="0" dirty="0">
                   <a:ln>
                     <a:noFill/>
                   </a:ln>
@@ -16662,264 +16588,13 @@
                   <a:effectLst/>
                   <a:uLnTx/>
                   <a:uFillTx/>
-                  <a:latin typeface="Arial"/>
-                  <a:ea typeface="+mn-ea"/>
-                  <a:cs typeface="Arial"/>
+                  <a:latin typeface="Times New Roman" panose="02020603050405020304" pitchFamily="18" charset="0"/>
+                  <a:cs typeface="Times New Roman" panose="02020603050405020304" pitchFamily="18" charset="0"/>
                 </a:rPr>
-                <a:t>point</a:t>
+                <a:t> </a:t>
               </a:r>
-            </a:p>
-          </p:txBody>
-        </p:sp>
-        <p:sp>
-          <p:nvSpPr>
-            <p:cNvPr id="110" name="rc110"/>
-            <p:cNvSpPr/>
-            <p:nvPr/>
-          </p:nvSpPr>
-          <p:spPr>
-            <a:xfrm>
-              <a:off x="7211620" y="3240739"/>
-              <a:ext cx="219455" cy="219456"/>
-            </a:xfrm>
-            <a:prstGeom prst="rect">
-              <a:avLst/>
-            </a:prstGeom>
-            <a:solidFill>
-              <a:srgbClr val="F2F2F2">
-                <a:alpha val="100000"/>
-              </a:srgbClr>
-            </a:solidFill>
-            <a:ln w="13550" cap="rnd">
-              <a:solidFill>
-                <a:srgbClr val="FFFFFF">
-                  <a:alpha val="100000"/>
-                </a:srgbClr>
-              </a:solidFill>
-              <a:prstDash val="solid"/>
-              <a:round/>
-            </a:ln>
-          </p:spPr>
-          <p:txBody>
-            <a:bodyPr/>
-            <a:lstStyle/>
-            <a:p>
-              <a:pPr marL="0" marR="0" lvl="0" indent="0" algn="l" defTabSz="995964" rtl="0" eaLnBrk="1" fontAlgn="auto" latinLnBrk="0" hangingPunct="1">
-                <a:lnSpc>
-                  <a:spcPct val="100000"/>
-                </a:lnSpc>
-                <a:spcBef>
-                  <a:spcPts val="0"/>
-                </a:spcBef>
-                <a:spcAft>
-                  <a:spcPts val="0"/>
-                </a:spcAft>
-                <a:buClrTx/>
-                <a:buSzTx/>
-                <a:buFontTx/>
-                <a:buNone/>
-                <a:tabLst/>
-                <a:defRPr/>
-              </a:pPr>
-              <a:endParaRPr kumimoji="0" sz="2000" b="0" i="0" u="none" strike="noStrike" kern="1200" cap="none" spc="0" normalizeH="0" baseline="0" noProof="0">
-                <a:ln>
-                  <a:noFill/>
-                </a:ln>
-                <a:solidFill>
-                  <a:prstClr val="black"/>
-                </a:solidFill>
-                <a:effectLst/>
-                <a:uLnTx/>
-                <a:uFillTx/>
-                <a:latin typeface="Calibri"/>
-                <a:ea typeface="+mn-ea"/>
-                <a:cs typeface="+mn-cs"/>
-              </a:endParaRPr>
-            </a:p>
-          </p:txBody>
-        </p:sp>
-        <p:sp>
-          <p:nvSpPr>
-            <p:cNvPr id="111" name="pl111"/>
-            <p:cNvSpPr/>
-            <p:nvPr/>
-          </p:nvSpPr>
-          <p:spPr>
-            <a:xfrm>
-              <a:off x="7233566" y="3350467"/>
-              <a:ext cx="175564" cy="0"/>
-            </a:xfrm>
-            <a:custGeom>
-              <a:avLst/>
-              <a:gdLst/>
-              <a:ahLst/>
-              <a:cxnLst/>
-              <a:rect l="0" t="0" r="0" b="0"/>
-              <a:pathLst>
-                <a:path w="175564">
-                  <a:moveTo>
-                    <a:pt x="0" y="0"/>
-                  </a:moveTo>
-                  <a:lnTo>
-                    <a:pt x="175564" y="0"/>
-                  </a:lnTo>
-                </a:path>
-              </a:pathLst>
-            </a:custGeom>
-            <a:ln w="13550" cap="flat">
-              <a:solidFill>
-                <a:srgbClr val="F8766D">
-                  <a:alpha val="100000"/>
-                </a:srgbClr>
-              </a:solidFill>
-              <a:prstDash val="solid"/>
-              <a:round/>
-            </a:ln>
-          </p:spPr>
-          <p:txBody>
-            <a:bodyPr/>
-            <a:lstStyle/>
-            <a:p>
-              <a:pPr marL="0" marR="0" lvl="0" indent="0" algn="l" defTabSz="995964" rtl="0" eaLnBrk="1" fontAlgn="auto" latinLnBrk="0" hangingPunct="1">
-                <a:lnSpc>
-                  <a:spcPct val="100000"/>
-                </a:lnSpc>
-                <a:spcBef>
-                  <a:spcPts val="0"/>
-                </a:spcBef>
-                <a:spcAft>
-                  <a:spcPts val="0"/>
-                </a:spcAft>
-                <a:buClrTx/>
-                <a:buSzTx/>
-                <a:buFontTx/>
-                <a:buNone/>
-                <a:tabLst/>
-                <a:defRPr/>
-              </a:pPr>
-              <a:endParaRPr kumimoji="0" sz="2000" b="0" i="0" u="none" strike="noStrike" kern="1200" cap="none" spc="0" normalizeH="0" baseline="0" noProof="0">
-                <a:ln>
-                  <a:noFill/>
-                </a:ln>
-                <a:solidFill>
-                  <a:prstClr val="black"/>
-                </a:solidFill>
-                <a:effectLst/>
-                <a:uLnTx/>
-                <a:uFillTx/>
-                <a:latin typeface="Calibri"/>
-                <a:ea typeface="+mn-ea"/>
-                <a:cs typeface="+mn-cs"/>
-              </a:endParaRPr>
-            </a:p>
-          </p:txBody>
-        </p:sp>
-        <p:sp>
-          <p:nvSpPr>
-            <p:cNvPr id="112" name="pt112"/>
-            <p:cNvSpPr/>
-            <p:nvPr/>
-          </p:nvSpPr>
-          <p:spPr>
-            <a:xfrm>
-              <a:off x="7296522" y="3325641"/>
-              <a:ext cx="49651" cy="49651"/>
-            </a:xfrm>
-            <a:prstGeom prst="ellipse">
-              <a:avLst/>
-            </a:prstGeom>
-            <a:solidFill>
-              <a:srgbClr val="F8766D">
-                <a:alpha val="100000"/>
-              </a:srgbClr>
-            </a:solidFill>
-            <a:ln w="9000" cap="rnd">
-              <a:solidFill>
-                <a:srgbClr val="F8766D">
-                  <a:alpha val="100000"/>
-                </a:srgbClr>
-              </a:solidFill>
-              <a:prstDash val="solid"/>
-              <a:round/>
-            </a:ln>
-          </p:spPr>
-          <p:txBody>
-            <a:bodyPr/>
-            <a:lstStyle/>
-            <a:p>
-              <a:pPr marL="0" marR="0" lvl="0" indent="0" algn="l" defTabSz="995964" rtl="0" eaLnBrk="1" fontAlgn="auto" latinLnBrk="0" hangingPunct="1">
-                <a:lnSpc>
-                  <a:spcPct val="100000"/>
-                </a:lnSpc>
-                <a:spcBef>
-                  <a:spcPts val="0"/>
-                </a:spcBef>
-                <a:spcAft>
-                  <a:spcPts val="0"/>
-                </a:spcAft>
-                <a:buClrTx/>
-                <a:buSzTx/>
-                <a:buFontTx/>
-                <a:buNone/>
-                <a:tabLst/>
-                <a:defRPr/>
-              </a:pPr>
-              <a:endParaRPr kumimoji="0" sz="2000" b="0" i="0" u="none" strike="noStrike" kern="1200" cap="none" spc="0" normalizeH="0" baseline="0" noProof="0">
-                <a:ln>
-                  <a:noFill/>
-                </a:ln>
-                <a:solidFill>
-                  <a:prstClr val="black"/>
-                </a:solidFill>
-                <a:effectLst/>
-                <a:uLnTx/>
-                <a:uFillTx/>
-                <a:latin typeface="Calibri"/>
-                <a:ea typeface="+mn-ea"/>
-                <a:cs typeface="+mn-cs"/>
-              </a:endParaRPr>
-            </a:p>
-          </p:txBody>
-        </p:sp>
-        <p:sp>
-          <p:nvSpPr>
-            <p:cNvPr id="113" name="tx113"/>
-            <p:cNvSpPr/>
-            <p:nvPr/>
-          </p:nvSpPr>
-          <p:spPr>
-            <a:xfrm>
-              <a:off x="7500665" y="3307793"/>
-              <a:ext cx="422374" cy="82674"/>
-            </a:xfrm>
-            <a:prstGeom prst="rect">
-              <a:avLst/>
-            </a:prstGeom>
-            <a:noFill/>
-          </p:spPr>
-          <p:txBody>
-            <a:bodyPr wrap="none" lIns="0" tIns="0" rIns="0" bIns="0" anchor="ctr" anchorCtr="1"/>
-            <a:lstStyle/>
-            <a:p>
-              <a:pPr marL="0" marR="0" lvl="0" indent="0" algn="l" defTabSz="995964" rtl="0" eaLnBrk="1" fontAlgn="auto" latinLnBrk="0" hangingPunct="1">
-                <a:lnSpc>
-                  <a:spcPts val="880"/>
-                </a:lnSpc>
-                <a:spcBef>
-                  <a:spcPts val="0"/>
-                </a:spcBef>
-                <a:spcAft>
-                  <a:spcPts val="0"/>
-                </a:spcAft>
-                <a:buClrTx/>
-                <a:buSzTx/>
-                <a:buFontTx/>
-                <a:buNone/>
-                <a:tabLst/>
-                <a:defRPr/>
-              </a:pPr>
               <a:r>
-                <a:rPr kumimoji="0" sz="880" b="0" i="0" u="none" strike="noStrike" kern="1200" cap="none" spc="0" normalizeH="0" baseline="0" noProof="0">
+                <a:rPr kumimoji="0" sz="1800" b="0" i="0" u="none" strike="noStrike" kern="1200" cap="none" spc="0" normalizeH="0" baseline="0" noProof="0" dirty="0">
                   <a:ln>
                     <a:noFill/>
                   </a:ln>
@@ -16931,12 +16606,78 @@
                   <a:effectLst/>
                   <a:uLnTx/>
                   <a:uFillTx/>
-                  <a:latin typeface="Arial"/>
-                  <a:ea typeface="+mn-ea"/>
-                  <a:cs typeface="Arial"/>
+                  <a:latin typeface="Times New Roman" panose="02020603050405020304" pitchFamily="18" charset="0"/>
+                  <a:cs typeface="Times New Roman" panose="02020603050405020304" pitchFamily="18" charset="0"/>
                 </a:rPr>
-                <a:t>model fit</a:t>
+                <a:t>Mainland</a:t>
               </a:r>
+            </a:p>
+          </p:txBody>
+        </p:sp>
+        <p:sp>
+          <p:nvSpPr>
+            <p:cNvPr id="107" name="tx107"/>
+            <p:cNvSpPr/>
+            <p:nvPr/>
+          </p:nvSpPr>
+          <p:spPr>
+            <a:xfrm rot="16200000">
+              <a:off x="358481" y="3013910"/>
+              <a:ext cx="471789" cy="169690"/>
+            </a:xfrm>
+            <a:prstGeom prst="rect">
+              <a:avLst/>
+            </a:prstGeom>
+            <a:noFill/>
+          </p:spPr>
+          <p:txBody>
+            <a:bodyPr wrap="none" lIns="0" tIns="0" rIns="0" bIns="0" anchor="ctr" anchorCtr="1"/>
+            <a:lstStyle/>
+            <a:p>
+              <a:pPr marL="0" marR="0" lvl="0" indent="0" algn="l" defTabSz="995964" rtl="0" eaLnBrk="1" fontAlgn="auto" latinLnBrk="0" hangingPunct="1">
+                <a:lnSpc>
+                  <a:spcPts val="1100"/>
+                </a:lnSpc>
+                <a:spcBef>
+                  <a:spcPts val="0"/>
+                </a:spcBef>
+                <a:spcAft>
+                  <a:spcPts val="0"/>
+                </a:spcAft>
+                <a:buClrTx/>
+                <a:buSzTx/>
+                <a:buFontTx/>
+                <a:buNone/>
+                <a:tabLst/>
+                <a:defRPr/>
+              </a:pPr>
+              <a:r>
+                <a:rPr lang="en-US" sz="2400" dirty="0">
+                  <a:solidFill>
+                    <a:srgbClr val="000000">
+                      <a:alpha val="100000"/>
+                    </a:srgbClr>
+                  </a:solidFill>
+                  <a:latin typeface="Times New Roman" panose="02020603050405020304" pitchFamily="18" charset="0"/>
+                  <a:cs typeface="Times New Roman" panose="02020603050405020304" pitchFamily="18" charset="0"/>
+                </a:rPr>
+                <a:t>Negative Hamiltonian</a:t>
+              </a:r>
+              <a:endParaRPr kumimoji="0" sz="2400" b="0" i="0" u="none" strike="noStrike" kern="1200" cap="none" spc="0" normalizeH="0" baseline="0" noProof="0" dirty="0">
+                <a:ln>
+                  <a:noFill/>
+                </a:ln>
+                <a:solidFill>
+                  <a:srgbClr val="000000">
+                    <a:alpha val="100000"/>
+                  </a:srgbClr>
+                </a:solidFill>
+                <a:effectLst/>
+                <a:uLnTx/>
+                <a:uFillTx/>
+                <a:latin typeface="Times New Roman" panose="02020603050405020304" pitchFamily="18" charset="0"/>
+                <a:cs typeface="Times New Roman" panose="02020603050405020304" pitchFamily="18" charset="0"/>
+              </a:endParaRPr>
             </a:p>
           </p:txBody>
         </p:sp>
